--- a/RASD/Slide.pptx
+++ b/RASD/Slide.pptx
@@ -31,7 +31,7 @@
   <p:sldSz cx="12198350" cy="6858000"/>
   <p:notesSz cx="7099300" cy="10234613"/>
   <p:custDataLst>
-    <p:custData r:id="rId11"/>
+    <p:custData r:id="rId8"/>
     <p:tags r:id="rId36"/>
   </p:custDataLst>
   <p:defaultTextStyle>
@@ -1558,7 +1558,6 @@
               <a:rPr lang="en-US" dirty="0" smtClean="0"/>
               <a:t>It Also provides a description of the system using UML diagrams.</a:t>
             </a:r>
-            <a:endParaRPr lang="en-US" dirty="0" smtClean="0"/>
           </a:p>
         </p:txBody>
       </p:sp>
@@ -12004,11 +12003,6 @@
               </a:rPr>
               <a:t>16.11.2016</a:t>
             </a:r>
-            <a:endParaRPr lang="de-DE" sz="1000" noProof="0" dirty="0" smtClean="0">
-              <a:solidFill>
-                <a:srgbClr val="000000"/>
-              </a:solidFill>
-            </a:endParaRPr>
           </a:p>
         </p:txBody>
       </p:sp>
@@ -12136,11 +12130,6 @@
               </a:rPr>
               <a:t>, Giorgio De Luca</a:t>
             </a:r>
-            <a:endParaRPr lang="en-US" sz="1000" noProof="0" dirty="0" smtClean="0">
-              <a:solidFill>
-                <a:srgbClr val="000000"/>
-              </a:solidFill>
-            </a:endParaRPr>
           </a:p>
         </p:txBody>
       </p:sp>
@@ -13345,7 +13334,6 @@
               <a:rPr lang="en-US" dirty="0"/>
               <a:t>within a certain distance from his/her current location.</a:t>
             </a:r>
-            <a:endParaRPr lang="en-US" dirty="0"/>
           </a:p>
         </p:txBody>
       </p:sp>
@@ -13796,59 +13784,59 @@
             <a:pPr lvl="1"/>
             <a:r>
               <a:rPr lang="en-US" noProof="0" dirty="0" smtClean="0"/>
-              <a:t>Introduction</a:t>
-            </a:r>
+              <a:t>Introduction	</a:t>
+            </a:r>
+            <a:r>
+              <a:rPr lang="en-US" dirty="0"/>
+              <a:t>3</a:t>
+            </a:r>
+            <a:endParaRPr lang="en-US" noProof="0" dirty="0" smtClean="0"/>
+          </a:p>
+          <a:p>
+            <a:pPr lvl="1"/>
             <a:r>
               <a:rPr lang="en-US" noProof="0" dirty="0" smtClean="0"/>
-              <a:t>	</a:t>
+              <a:t>Overall description	</a:t>
             </a:r>
             <a:r>
               <a:rPr lang="en-US" noProof="0" dirty="0" smtClean="0"/>
-              <a:t>3</a:t>
-            </a:r>
+              <a:t>6</a:t>
+            </a:r>
+            <a:endParaRPr lang="en-US" noProof="0" dirty="0" smtClean="0"/>
           </a:p>
           <a:p>
             <a:pPr lvl="1"/>
             <a:r>
               <a:rPr lang="en-US" noProof="0" dirty="0" smtClean="0"/>
-              <a:t>Overall description</a:t>
-            </a:r>
-            <a:r>
-              <a:rPr lang="en-US" noProof="0" dirty="0" smtClean="0"/>
-              <a:t>	8</a:t>
-            </a:r>
+              <a:t>Specific requirements	</a:t>
+            </a:r>
+            <a:r>
+              <a:rPr lang="en-US" noProof="0" dirty="0"/>
+              <a:t>9</a:t>
+            </a:r>
+            <a:endParaRPr lang="en-US" noProof="0" dirty="0" smtClean="0"/>
           </a:p>
           <a:p>
             <a:pPr lvl="1"/>
             <a:r>
-              <a:rPr lang="en-US" noProof="0" dirty="0" smtClean="0"/>
-              <a:t>Specific requirements</a:t>
-            </a:r>
-            <a:r>
-              <a:rPr lang="en-US" noProof="0" dirty="0" smtClean="0"/>
-              <a:t>	19</a:t>
-            </a:r>
-          </a:p>
-          <a:p>
-            <a:pPr lvl="1"/>
-            <a:r>
               <a:rPr lang="en-US" b="1" noProof="0" dirty="0" smtClean="0"/>
-              <a:t>Alloy</a:t>
+              <a:t>Alloy	</a:t>
             </a:r>
             <a:r>
               <a:rPr lang="en-US" b="1" noProof="0" dirty="0" smtClean="0"/>
-              <a:t>	</a:t>
-            </a:r>
-            <a:r>
-              <a:rPr lang="en-US" b="1" noProof="0" dirty="0" smtClean="0"/>
-              <a:t>22</a:t>
-            </a:r>
+              <a:t>15</a:t>
+            </a:r>
+            <a:endParaRPr lang="en-US" b="1" noProof="0" dirty="0" smtClean="0"/>
           </a:p>
           <a:p>
             <a:pPr lvl="3"/>
             <a:r>
               <a:rPr lang="en-US" b="1" dirty="0" smtClean="0"/>
-              <a:t>Generated world</a:t>
+              <a:t>Generated </a:t>
+            </a:r>
+            <a:r>
+              <a:rPr lang="en-US" b="1" dirty="0" smtClean="0"/>
+              <a:t>world	16</a:t>
             </a:r>
             <a:endParaRPr lang="en-US" b="1" noProof="0" dirty="0" smtClean="0"/>
           </a:p>
@@ -14074,54 +14062,39 @@
             <a:pPr lvl="1"/>
             <a:r>
               <a:rPr lang="en-US" noProof="0" dirty="0" smtClean="0"/>
-              <a:t>Introduction</a:t>
-            </a:r>
-            <a:r>
-              <a:rPr lang="en-US" noProof="0" dirty="0" smtClean="0"/>
-              <a:t>	</a:t>
+              <a:t>Introduction	</a:t>
             </a:r>
             <a:r>
               <a:rPr lang="en-US" noProof="0" dirty="0" smtClean="0"/>
               <a:t>3</a:t>
             </a:r>
+            <a:endParaRPr lang="en-US" noProof="0" dirty="0" smtClean="0"/>
           </a:p>
           <a:p>
             <a:pPr lvl="1"/>
             <a:r>
               <a:rPr lang="en-US" noProof="0" dirty="0" smtClean="0"/>
-              <a:t>Overall description</a:t>
+              <a:t>Overall description	</a:t>
             </a:r>
             <a:r>
               <a:rPr lang="en-US" noProof="0" dirty="0" smtClean="0"/>
-              <a:t>	8</a:t>
-            </a:r>
+              <a:t>6</a:t>
+            </a:r>
+            <a:endParaRPr lang="en-US" noProof="0" dirty="0" smtClean="0"/>
           </a:p>
           <a:p>
             <a:pPr lvl="1"/>
             <a:r>
               <a:rPr lang="en-US" noProof="0" dirty="0" smtClean="0"/>
-              <a:t>Specific requirements</a:t>
-            </a:r>
+              <a:t>Specific requirements	19</a:t>
+            </a:r>
+          </a:p>
+          <a:p>
+            <a:pPr lvl="1"/>
             <a:r>
               <a:rPr lang="en-US" noProof="0" dirty="0" smtClean="0"/>
-              <a:t>	19</a:t>
-            </a:r>
-          </a:p>
-          <a:p>
-            <a:pPr lvl="1"/>
-            <a:r>
-              <a:rPr lang="en-US" noProof="0" dirty="0" smtClean="0"/>
-              <a:t>Alloy</a:t>
-            </a:r>
-            <a:r>
-              <a:rPr lang="en-US" noProof="0" dirty="0" smtClean="0"/>
-              <a:t>	</a:t>
-            </a:r>
-            <a:r>
-              <a:rPr lang="en-US" noProof="0" dirty="0" smtClean="0"/>
-              <a:t>22</a:t>
-            </a:r>
-            <a:endParaRPr lang="en-US" noProof="0" dirty="0" smtClean="0"/>
+              <a:t>Alloy	22</a:t>
+            </a:r>
           </a:p>
         </p:txBody>
       </p:sp>
@@ -14235,29 +14208,27 @@
             <a:pPr lvl="1"/>
             <a:r>
               <a:rPr lang="en-US" b="1" noProof="0" dirty="0" smtClean="0"/>
-              <a:t>Introduction</a:t>
-            </a:r>
-            <a:r>
-              <a:rPr lang="en-US" b="1" noProof="0" dirty="0" smtClean="0"/>
-              <a:t>	</a:t>
+              <a:t>Introduction	</a:t>
             </a:r>
             <a:r>
               <a:rPr lang="en-US" b="1" noProof="0" dirty="0" smtClean="0"/>
               <a:t>3</a:t>
             </a:r>
+            <a:endParaRPr lang="en-US" b="1" noProof="0" dirty="0" smtClean="0"/>
           </a:p>
           <a:p>
             <a:pPr lvl="3"/>
             <a:r>
               <a:rPr lang="en-US" b="1" dirty="0" smtClean="0"/>
-              <a:t>Actors</a:t>
-            </a:r>
+              <a:t>Actors	4</a:t>
+            </a:r>
+            <a:endParaRPr lang="en-US" b="1" dirty="0" smtClean="0"/>
           </a:p>
           <a:p>
             <a:pPr lvl="3"/>
             <a:r>
               <a:rPr lang="en-US" b="1" noProof="0" dirty="0" smtClean="0"/>
-              <a:t>Goals</a:t>
+              <a:t>Goals	5</a:t>
             </a:r>
             <a:endParaRPr lang="en-US" b="1" noProof="0" dirty="0" smtClean="0"/>
           </a:p>
@@ -14265,39 +14236,27 @@
             <a:pPr lvl="1"/>
             <a:r>
               <a:rPr lang="en-US" noProof="0" dirty="0" smtClean="0"/>
-              <a:t>Overall description</a:t>
+              <a:t>Overall description	</a:t>
             </a:r>
             <a:r>
               <a:rPr lang="en-US" noProof="0" dirty="0" smtClean="0"/>
-              <a:t>	8</a:t>
-            </a:r>
+              <a:t>6</a:t>
+            </a:r>
+            <a:endParaRPr lang="en-US" noProof="0" dirty="0" smtClean="0"/>
           </a:p>
           <a:p>
             <a:pPr lvl="1"/>
             <a:r>
               <a:rPr lang="en-US" noProof="0" dirty="0" smtClean="0"/>
-              <a:t>Specific requirements</a:t>
-            </a:r>
+              <a:t>Specific requirements	19</a:t>
+            </a:r>
+          </a:p>
+          <a:p>
+            <a:pPr lvl="1"/>
             <a:r>
               <a:rPr lang="en-US" noProof="0" dirty="0" smtClean="0"/>
-              <a:t>	19</a:t>
-            </a:r>
-          </a:p>
-          <a:p>
-            <a:pPr lvl="1"/>
-            <a:r>
-              <a:rPr lang="en-US" noProof="0" dirty="0" smtClean="0"/>
-              <a:t>Alloy</a:t>
-            </a:r>
-            <a:r>
-              <a:rPr lang="en-US" noProof="0" dirty="0" smtClean="0"/>
-              <a:t>	</a:t>
-            </a:r>
-            <a:r>
-              <a:rPr lang="en-US" noProof="0" dirty="0" smtClean="0"/>
-              <a:t>22</a:t>
-            </a:r>
-            <a:endParaRPr lang="en-US" noProof="0" dirty="0" smtClean="0"/>
+              <a:t>Alloy	22</a:t>
+            </a:r>
           </a:p>
         </p:txBody>
       </p:sp>
@@ -14439,7 +14398,6 @@
               <a:rPr lang="en-US" sz="2800" noProof="0" dirty="0" smtClean="0"/>
               <a:t>Guest</a:t>
             </a:r>
-            <a:endParaRPr lang="en-US" sz="2800" noProof="0" dirty="0" smtClean="0"/>
           </a:p>
           <a:p>
             <a:pPr lvl="1"/>
@@ -14672,7 +14630,6 @@
               <a:rPr lang="en-US" dirty="0"/>
               <a:t>of some penalties.</a:t>
             </a:r>
-            <a:endParaRPr lang="en-US" dirty="0"/>
           </a:p>
         </p:txBody>
       </p:sp>
@@ -14784,44 +14741,43 @@
             <a:pPr lvl="1"/>
             <a:r>
               <a:rPr lang="en-US" noProof="0" dirty="0" smtClean="0"/>
-              <a:t>Introduction</a:t>
-            </a:r>
-            <a:r>
-              <a:rPr lang="en-US" noProof="0" dirty="0" smtClean="0"/>
-              <a:t>	</a:t>
+              <a:t>Introduction	</a:t>
             </a:r>
             <a:r>
               <a:rPr lang="en-US" noProof="0" dirty="0" smtClean="0"/>
               <a:t>3</a:t>
             </a:r>
+            <a:endParaRPr lang="en-US" noProof="0" dirty="0" smtClean="0"/>
           </a:p>
           <a:p>
             <a:pPr lvl="1"/>
             <a:r>
               <a:rPr lang="en-US" b="1" noProof="0" dirty="0" smtClean="0"/>
-              <a:t>Overall description</a:t>
-            </a:r>
+              <a:t>Overall description	</a:t>
+            </a:r>
+            <a:r>
+              <a:rPr lang="en-US" b="1" dirty="0"/>
+              <a:t>6</a:t>
+            </a:r>
+            <a:endParaRPr lang="en-US" b="1" noProof="0" dirty="0" smtClean="0"/>
+          </a:p>
+          <a:p>
+            <a:pPr lvl="3"/>
             <a:r>
               <a:rPr lang="en-US" b="1" noProof="0" dirty="0" smtClean="0"/>
-              <a:t>	</a:t>
+              <a:t>External </a:t>
             </a:r>
             <a:r>
               <a:rPr lang="en-US" b="1" noProof="0" dirty="0" smtClean="0"/>
-              <a:t>8</a:t>
-            </a:r>
+              <a:t>services	7</a:t>
+            </a:r>
+            <a:endParaRPr lang="en-US" b="1" noProof="0" dirty="0" smtClean="0"/>
           </a:p>
           <a:p>
             <a:pPr lvl="3"/>
             <a:r>
               <a:rPr lang="en-US" b="1" noProof="0" dirty="0" smtClean="0"/>
-              <a:t>External services</a:t>
-            </a:r>
-          </a:p>
-          <a:p>
-            <a:pPr lvl="3"/>
-            <a:r>
-              <a:rPr lang="en-US" b="1" noProof="0" dirty="0" smtClean="0"/>
-              <a:t>Assumptions</a:t>
+              <a:t>Assumptions	8</a:t>
             </a:r>
             <a:endParaRPr lang="en-US" b="1" noProof="0" dirty="0" smtClean="0"/>
           </a:p>
@@ -14829,28 +14785,15 @@
             <a:pPr lvl="1"/>
             <a:r>
               <a:rPr lang="en-US" noProof="0" dirty="0" smtClean="0"/>
-              <a:t>Specific requirements</a:t>
-            </a:r>
+              <a:t>Specific requirements	19</a:t>
+            </a:r>
+          </a:p>
+          <a:p>
+            <a:pPr lvl="1"/>
             <a:r>
               <a:rPr lang="en-US" noProof="0" dirty="0" smtClean="0"/>
-              <a:t>	19</a:t>
-            </a:r>
-          </a:p>
-          <a:p>
-            <a:pPr lvl="1"/>
-            <a:r>
-              <a:rPr lang="en-US" noProof="0" dirty="0" smtClean="0"/>
-              <a:t>Alloy</a:t>
-            </a:r>
-            <a:r>
-              <a:rPr lang="en-US" noProof="0" dirty="0" smtClean="0"/>
-              <a:t>	</a:t>
-            </a:r>
-            <a:r>
-              <a:rPr lang="en-US" noProof="0" dirty="0" smtClean="0"/>
-              <a:t>22</a:t>
-            </a:r>
-            <a:endParaRPr lang="en-US" noProof="0" dirty="0" smtClean="0"/>
+              <a:t>Alloy	22</a:t>
+            </a:r>
           </a:p>
         </p:txBody>
       </p:sp>
@@ -15266,7 +15209,6 @@
               <a:rPr lang="en-US" dirty="0"/>
               <a:t>to pay with some reduction of the standard hiring cost.</a:t>
             </a:r>
-            <a:endParaRPr lang="en-US" dirty="0"/>
           </a:p>
         </p:txBody>
       </p:sp>
@@ -15378,81 +15320,80 @@
             <a:pPr lvl="1"/>
             <a:r>
               <a:rPr lang="en-US" noProof="0" dirty="0" smtClean="0"/>
-              <a:t>Introduction</a:t>
-            </a:r>
+              <a:t>Introduction	</a:t>
+            </a:r>
+            <a:r>
+              <a:rPr lang="en-US" dirty="0"/>
+              <a:t>3</a:t>
+            </a:r>
+            <a:endParaRPr lang="en-US" noProof="0" dirty="0" smtClean="0"/>
+          </a:p>
+          <a:p>
+            <a:pPr lvl="1"/>
             <a:r>
               <a:rPr lang="en-US" noProof="0" dirty="0" smtClean="0"/>
-              <a:t>	</a:t>
-            </a:r>
+              <a:t>Overall description	</a:t>
+            </a:r>
+            <a:r>
+              <a:rPr lang="en-US" dirty="0"/>
+              <a:t>6</a:t>
+            </a:r>
+            <a:endParaRPr lang="en-US" noProof="0" dirty="0" smtClean="0"/>
+          </a:p>
+          <a:p>
+            <a:pPr lvl="1"/>
+            <a:r>
+              <a:rPr lang="en-US" b="1" noProof="0" dirty="0" smtClean="0"/>
+              <a:t>Specific requirements	</a:t>
+            </a:r>
+            <a:r>
+              <a:rPr lang="en-US" b="1" dirty="0"/>
+              <a:t>9</a:t>
+            </a:r>
+            <a:endParaRPr lang="en-US" b="1" noProof="0" dirty="0" smtClean="0"/>
+          </a:p>
+          <a:p>
+            <a:pPr lvl="3"/>
+            <a:r>
+              <a:rPr lang="en-US" b="1" dirty="0" smtClean="0"/>
+              <a:t>Functional </a:t>
+            </a:r>
+            <a:r>
+              <a:rPr lang="en-US" b="1" dirty="0" smtClean="0"/>
+              <a:t>requirements	10</a:t>
+            </a:r>
+            <a:endParaRPr lang="en-US" b="1" noProof="0" dirty="0" smtClean="0"/>
+          </a:p>
+          <a:p>
+            <a:pPr lvl="3"/>
+            <a:r>
+              <a:rPr lang="en-US" b="1" noProof="0" dirty="0" smtClean="0"/>
+              <a:t>Use </a:t>
+            </a:r>
+            <a:r>
+              <a:rPr lang="en-US" b="1" noProof="0" dirty="0" smtClean="0"/>
+              <a:t>cases	12</a:t>
+            </a:r>
+            <a:endParaRPr lang="en-US" b="1" noProof="0" dirty="0" smtClean="0"/>
+          </a:p>
+          <a:p>
+            <a:pPr lvl="3"/>
+            <a:r>
+              <a:rPr lang="en-US" b="1" dirty="0" smtClean="0"/>
+              <a:t>Class </a:t>
+            </a:r>
+            <a:r>
+              <a:rPr lang="en-US" b="1" dirty="0" smtClean="0"/>
+              <a:t>diagram	14</a:t>
+            </a:r>
+            <a:endParaRPr lang="en-US" b="1" noProof="0" dirty="0" smtClean="0"/>
+          </a:p>
+          <a:p>
+            <a:pPr lvl="1"/>
             <a:r>
               <a:rPr lang="en-US" noProof="0" dirty="0" smtClean="0"/>
-              <a:t>3</a:t>
-            </a:r>
-          </a:p>
-          <a:p>
-            <a:pPr lvl="1"/>
-            <a:r>
-              <a:rPr lang="en-US" noProof="0" dirty="0" smtClean="0"/>
-              <a:t>Overall description</a:t>
-            </a:r>
-            <a:r>
-              <a:rPr lang="en-US" noProof="0" dirty="0" smtClean="0"/>
-              <a:t>	8</a:t>
-            </a:r>
-          </a:p>
-          <a:p>
-            <a:pPr lvl="1"/>
-            <a:r>
-              <a:rPr lang="en-US" b="1" noProof="0" dirty="0" smtClean="0"/>
-              <a:t>Specific requirements</a:t>
-            </a:r>
-            <a:r>
-              <a:rPr lang="en-US" b="1" noProof="0" dirty="0" smtClean="0"/>
-              <a:t>	</a:t>
-            </a:r>
-            <a:r>
-              <a:rPr lang="en-US" b="1" noProof="0" dirty="0" smtClean="0"/>
-              <a:t>19</a:t>
-            </a:r>
-          </a:p>
-          <a:p>
-            <a:pPr lvl="3"/>
-            <a:r>
-              <a:rPr lang="en-US" b="1" dirty="0" smtClean="0"/>
-              <a:t>Functional requirements</a:t>
-            </a:r>
-            <a:endParaRPr lang="en-US" b="1" noProof="0" dirty="0" smtClean="0"/>
-          </a:p>
-          <a:p>
-            <a:pPr lvl="3"/>
-            <a:r>
-              <a:rPr lang="en-US" b="1" noProof="0" dirty="0" smtClean="0"/>
-              <a:t>Use cases</a:t>
-            </a:r>
-          </a:p>
-          <a:p>
-            <a:pPr lvl="3"/>
-            <a:r>
-              <a:rPr lang="en-US" b="1" dirty="0" smtClean="0"/>
-              <a:t>Class diagram</a:t>
-            </a:r>
-            <a:endParaRPr lang="en-US" b="1" noProof="0" dirty="0" smtClean="0"/>
-          </a:p>
-          <a:p>
-            <a:pPr lvl="1"/>
-            <a:r>
-              <a:rPr lang="en-US" noProof="0" dirty="0" smtClean="0"/>
-              <a:t>Alloy</a:t>
-            </a:r>
-            <a:r>
-              <a:rPr lang="en-US" noProof="0" dirty="0" smtClean="0"/>
-              <a:t>	</a:t>
-            </a:r>
-            <a:r>
-              <a:rPr lang="en-US" noProof="0" dirty="0" smtClean="0"/>
-              <a:t>22</a:t>
-            </a:r>
-            <a:endParaRPr lang="en-US" noProof="0" dirty="0" smtClean="0"/>
+              <a:t>Alloy	22</a:t>
+            </a:r>
           </a:p>
         </p:txBody>
       </p:sp>
@@ -18300,13 +18241,21 @@
 
 <file path=customXml/item1.xml><?xml version="1.0" encoding="utf-8"?>
 <p4ppTags>
-  <Name>Two rows</Name>
+  <Name>Three columns + Navigation</Name>
   <PpLayout>32</PpLayout>
-  <Index>13</Index>
+  <Index>20</Index>
 </p4ppTags>
 </file>
 
 <file path=customXml/item10.xml><?xml version="1.0" encoding="utf-8"?>
+<p4ppTags>
+  <Name>Four objects + Navigation</Name>
+  <PpLayout>32</PpLayout>
+  <Index>22</Index>
+</p4ppTags>
+</file>
+
+<file path=customXml/item11.xml><?xml version="1.0" encoding="utf-8"?>
 <p4ppTags>
   <Name>Text + Index</Name>
   <PpLayout>32</PpLayout>
@@ -18314,23 +18263,19 @@
 </p4ppTags>
 </file>
 
-<file path=customXml/item11.xml><?xml version="1.0" encoding="utf-8"?>
-<p4ppTags/>
-</file>
-
 <file path=customXml/item12.xml><?xml version="1.0" encoding="utf-8"?>
 <p4ppTags>
-  <Name>Four objects</Name>
-  <PpLayout>24</PpLayout>
-  <Index>15</Index>
+  <Name>Free Content + Navigation</Name>
+  <PpLayout>32</PpLayout>
+  <Index>16</Index>
 </p4ppTags>
 </file>
 
 <file path=customXml/item13.xml><?xml version="1.0" encoding="utf-8"?>
 <p4ppTags>
-  <Name>Free Content</Name>
-  <PpLayout>11</PpLayout>
-  <Index>9</Index>
+  <Name>One object (large)</Name>
+  <PpLayout>16</PpLayout>
+  <Index>10</Index>
 </p4ppTags>
 </file>
 
@@ -18344,13 +18289,45 @@
 
 <file path=customXml/item15.xml><?xml version="1.0" encoding="utf-8"?>
 <p4ppTags>
-  <Name>Four objects + Navigation</Name>
+  <Name>One object (small) + Navigation</Name>
   <PpLayout>32</PpLayout>
-  <Index>22</Index>
+  <Index>18</Index>
 </p4ppTags>
 </file>
 
 <file path=customXml/item16.xml><?xml version="1.0" encoding="utf-8"?>
+<p4ppTags>
+  <Name>Free Content</Name>
+  <PpLayout>11</PpLayout>
+  <Index>9</Index>
+</p4ppTags>
+</file>
+
+<file path=customXml/item2.xml><?xml version="1.0" encoding="utf-8"?>
+<p4ppTags>
+  <Name>One object (small)</Name>
+  <PpLayout>16</PpLayout>
+  <Index>11</Index>
+</p4ppTags>
+</file>
+
+<file path=customXml/item3.xml><?xml version="1.0" encoding="utf-8"?>
+<p4ppTags>
+  <Name>Four objects</Name>
+  <PpLayout>24</PpLayout>
+  <Index>15</Index>
+</p4ppTags>
+</file>
+
+<file path=customXml/item4.xml><?xml version="1.0" encoding="utf-8"?>
+<p4ppTags>
+  <Name>Two rows + Navigation</Name>
+  <PpLayout>32</PpLayout>
+  <Index>21</Index>
+</p4ppTags>
+</file>
+
+<file path=customXml/item5.xml><?xml version="1.0" encoding="utf-8"?>
 <p4ppTags>
   <Name>Two columns</Name>
   <PpLayout>29</PpLayout>
@@ -18358,31 +18335,27 @@
 </p4ppTags>
 </file>
 
-<file path=customXml/item2.xml><?xml version="1.0" encoding="utf-8"?>
+<file path=customXml/item6.xml><?xml version="1.0" encoding="utf-8"?>
 <p4ppTags>
-  <Name>Two rows + Navigation</Name>
+  <Name>Two rows</Name>
   <PpLayout>32</PpLayout>
-  <Index>21</Index>
+  <Index>13</Index>
 </p4ppTags>
 </file>
 
-<file path=customXml/item3.xml><?xml version="1.0" encoding="utf-8"?>
+<file path=customXml/item7.xml><?xml version="1.0" encoding="utf-8"?>
 <p4ppTags>
-  <Name>Three columns + Navigation</Name>
+  <Name>Three columns</Name>
   <PpLayout>32</PpLayout>
-  <Index>20</Index>
+  <Index>14</Index>
 </p4ppTags>
 </file>
 
-<file path=customXml/item4.xml><?xml version="1.0" encoding="utf-8"?>
-<p4ppTags>
-  <Name>Free Content + Navigation</Name>
-  <PpLayout>32</PpLayout>
-  <Index>16</Index>
-</p4ppTags>
+<file path=customXml/item8.xml><?xml version="1.0" encoding="utf-8"?>
+<p4ppTags/>
 </file>
 
-<file path=customXml/item5.xml><?xml version="1.0" encoding="utf-8"?>
+<file path=customXml/item9.xml><?xml version="1.0" encoding="utf-8"?>
 <p4ppTags>
   <Name>One object (large) + Navigation</Name>
   <PpLayout>32</PpLayout>
@@ -18390,64 +18363,32 @@
 </p4ppTags>
 </file>
 
-<file path=customXml/item6.xml><?xml version="1.0" encoding="utf-8"?>
-<p4ppTags>
-  <Name>Three columns</Name>
-  <PpLayout>32</PpLayout>
-  <Index>14</Index>
-</p4ppTags>
-</file>
-
-<file path=customXml/item7.xml><?xml version="1.0" encoding="utf-8"?>
-<p4ppTags>
-  <Name>One object (small)</Name>
-  <PpLayout>16</PpLayout>
-  <Index>11</Index>
-</p4ppTags>
-</file>
-
-<file path=customXml/item8.xml><?xml version="1.0" encoding="utf-8"?>
-<p4ppTags>
-  <Name>One object (small) + Navigation</Name>
-  <PpLayout>32</PpLayout>
-  <Index>18</Index>
-</p4ppTags>
-</file>
-
-<file path=customXml/item9.xml><?xml version="1.0" encoding="utf-8"?>
-<p4ppTags>
-  <Name>One object (large)</Name>
-  <PpLayout>16</PpLayout>
-  <Index>10</Index>
-</p4ppTags>
-</file>
-
 <file path=customXml/itemProps1.xml><?xml version="1.0" encoding="utf-8"?>
-<ds:datastoreItem xmlns:ds="http://schemas.openxmlformats.org/officeDocument/2006/customXml" ds:itemID="{38AB8DE4-FD9B-4166-BEC3-3F1753596133}">
+<ds:datastoreItem xmlns:ds="http://schemas.openxmlformats.org/officeDocument/2006/customXml" ds:itemID="{85D77EE6-52B7-48BE-9EDB-748F1EBB53DE}">
   <ds:schemaRefs/>
 </ds:datastoreItem>
 </file>
 
 <file path=customXml/itemProps10.xml><?xml version="1.0" encoding="utf-8"?>
+<ds:datastoreItem xmlns:ds="http://schemas.openxmlformats.org/officeDocument/2006/customXml" ds:itemID="{EAB520BC-C6EC-457E-8AB5-55DB67C86858}">
+  <ds:schemaRefs/>
+</ds:datastoreItem>
+</file>
+
+<file path=customXml/itemProps11.xml><?xml version="1.0" encoding="utf-8"?>
 <ds:datastoreItem xmlns:ds="http://schemas.openxmlformats.org/officeDocument/2006/customXml" ds:itemID="{7E35FEDB-1F0E-4D67-A313-4AC59C26FF29}">
   <ds:schemaRefs/>
 </ds:datastoreItem>
 </file>
 
-<file path=customXml/itemProps11.xml><?xml version="1.0" encoding="utf-8"?>
-<ds:datastoreItem xmlns:ds="http://schemas.openxmlformats.org/officeDocument/2006/customXml" ds:itemID="{572FBA73-6DBF-45DA-8282-9342320CFAB0}">
-  <ds:schemaRefs/>
-</ds:datastoreItem>
-</file>
-
 <file path=customXml/itemProps12.xml><?xml version="1.0" encoding="utf-8"?>
-<ds:datastoreItem xmlns:ds="http://schemas.openxmlformats.org/officeDocument/2006/customXml" ds:itemID="{1581BFFB-B4CE-47A8-BE77-DC1339B1E5A7}">
+<ds:datastoreItem xmlns:ds="http://schemas.openxmlformats.org/officeDocument/2006/customXml" ds:itemID="{7CC5F709-E74B-4E5F-A728-923D5062EBEF}">
   <ds:schemaRefs/>
 </ds:datastoreItem>
 </file>
 
 <file path=customXml/itemProps13.xml><?xml version="1.0" encoding="utf-8"?>
-<ds:datastoreItem xmlns:ds="http://schemas.openxmlformats.org/officeDocument/2006/customXml" ds:itemID="{D8097D0C-BE3E-4AEC-9593-65CFCCB19297}">
+<ds:datastoreItem xmlns:ds="http://schemas.openxmlformats.org/officeDocument/2006/customXml" ds:itemID="{80661B8B-A327-44F9-823B-4D9EE0B3EC78}">
   <ds:schemaRefs/>
 </ds:datastoreItem>
 </file>
@@ -18459,61 +18400,61 @@
 </file>
 
 <file path=customXml/itemProps15.xml><?xml version="1.0" encoding="utf-8"?>
-<ds:datastoreItem xmlns:ds="http://schemas.openxmlformats.org/officeDocument/2006/customXml" ds:itemID="{EAB520BC-C6EC-457E-8AB5-55DB67C86858}">
+<ds:datastoreItem xmlns:ds="http://schemas.openxmlformats.org/officeDocument/2006/customXml" ds:itemID="{D9FE249F-833E-4CF0-BECB-552D01D7DC9E}">
   <ds:schemaRefs/>
 </ds:datastoreItem>
 </file>
 
 <file path=customXml/itemProps16.xml><?xml version="1.0" encoding="utf-8"?>
+<ds:datastoreItem xmlns:ds="http://schemas.openxmlformats.org/officeDocument/2006/customXml" ds:itemID="{D8097D0C-BE3E-4AEC-9593-65CFCCB19297}">
+  <ds:schemaRefs/>
+</ds:datastoreItem>
+</file>
+
+<file path=customXml/itemProps2.xml><?xml version="1.0" encoding="utf-8"?>
+<ds:datastoreItem xmlns:ds="http://schemas.openxmlformats.org/officeDocument/2006/customXml" ds:itemID="{1618AA06-B22E-4D19-9680-0D7830426729}">
+  <ds:schemaRefs/>
+</ds:datastoreItem>
+</file>
+
+<file path=customXml/itemProps3.xml><?xml version="1.0" encoding="utf-8"?>
+<ds:datastoreItem xmlns:ds="http://schemas.openxmlformats.org/officeDocument/2006/customXml" ds:itemID="{1581BFFB-B4CE-47A8-BE77-DC1339B1E5A7}">
+  <ds:schemaRefs/>
+</ds:datastoreItem>
+</file>
+
+<file path=customXml/itemProps4.xml><?xml version="1.0" encoding="utf-8"?>
+<ds:datastoreItem xmlns:ds="http://schemas.openxmlformats.org/officeDocument/2006/customXml" ds:itemID="{6C79E4F8-DCFB-483C-880A-AEEC6AAFC838}">
+  <ds:schemaRefs/>
+</ds:datastoreItem>
+</file>
+
+<file path=customXml/itemProps5.xml><?xml version="1.0" encoding="utf-8"?>
 <ds:datastoreItem xmlns:ds="http://schemas.openxmlformats.org/officeDocument/2006/customXml" ds:itemID="{1666F4C2-68F5-4840-A44A-1A646C0925A1}">
   <ds:schemaRefs/>
 </ds:datastoreItem>
 </file>
 
-<file path=customXml/itemProps2.xml><?xml version="1.0" encoding="utf-8"?>
-<ds:datastoreItem xmlns:ds="http://schemas.openxmlformats.org/officeDocument/2006/customXml" ds:itemID="{6C79E4F8-DCFB-483C-880A-AEEC6AAFC838}">
+<file path=customXml/itemProps6.xml><?xml version="1.0" encoding="utf-8"?>
+<ds:datastoreItem xmlns:ds="http://schemas.openxmlformats.org/officeDocument/2006/customXml" ds:itemID="{38AB8DE4-FD9B-4166-BEC3-3F1753596133}">
   <ds:schemaRefs/>
 </ds:datastoreItem>
 </file>
 
-<file path=customXml/itemProps3.xml><?xml version="1.0" encoding="utf-8"?>
-<ds:datastoreItem xmlns:ds="http://schemas.openxmlformats.org/officeDocument/2006/customXml" ds:itemID="{85D77EE6-52B7-48BE-9EDB-748F1EBB53DE}">
-  <ds:schemaRefs/>
-</ds:datastoreItem>
-</file>
-
-<file path=customXml/itemProps4.xml><?xml version="1.0" encoding="utf-8"?>
-<ds:datastoreItem xmlns:ds="http://schemas.openxmlformats.org/officeDocument/2006/customXml" ds:itemID="{7CC5F709-E74B-4E5F-A728-923D5062EBEF}">
-  <ds:schemaRefs/>
-</ds:datastoreItem>
-</file>
-
-<file path=customXml/itemProps5.xml><?xml version="1.0" encoding="utf-8"?>
-<ds:datastoreItem xmlns:ds="http://schemas.openxmlformats.org/officeDocument/2006/customXml" ds:itemID="{B27F640E-84DF-4F97-BC70-D045F1E6594F}">
-  <ds:schemaRefs/>
-</ds:datastoreItem>
-</file>
-
-<file path=customXml/itemProps6.xml><?xml version="1.0" encoding="utf-8"?>
+<file path=customXml/itemProps7.xml><?xml version="1.0" encoding="utf-8"?>
 <ds:datastoreItem xmlns:ds="http://schemas.openxmlformats.org/officeDocument/2006/customXml" ds:itemID="{15CF3461-70D1-4B54-AFAB-DAFDA0A238CD}">
   <ds:schemaRefs/>
 </ds:datastoreItem>
 </file>
 
-<file path=customXml/itemProps7.xml><?xml version="1.0" encoding="utf-8"?>
-<ds:datastoreItem xmlns:ds="http://schemas.openxmlformats.org/officeDocument/2006/customXml" ds:itemID="{1618AA06-B22E-4D19-9680-0D7830426729}">
-  <ds:schemaRefs/>
-</ds:datastoreItem>
-</file>
-
 <file path=customXml/itemProps8.xml><?xml version="1.0" encoding="utf-8"?>
-<ds:datastoreItem xmlns:ds="http://schemas.openxmlformats.org/officeDocument/2006/customXml" ds:itemID="{D9FE249F-833E-4CF0-BECB-552D01D7DC9E}">
+<ds:datastoreItem xmlns:ds="http://schemas.openxmlformats.org/officeDocument/2006/customXml" ds:itemID="{572FBA73-6DBF-45DA-8282-9342320CFAB0}">
   <ds:schemaRefs/>
 </ds:datastoreItem>
 </file>
 
 <file path=customXml/itemProps9.xml><?xml version="1.0" encoding="utf-8"?>
-<ds:datastoreItem xmlns:ds="http://schemas.openxmlformats.org/officeDocument/2006/customXml" ds:itemID="{80661B8B-A327-44F9-823B-4D9EE0B3EC78}">
+<ds:datastoreItem xmlns:ds="http://schemas.openxmlformats.org/officeDocument/2006/customXml" ds:itemID="{B27F640E-84DF-4F97-BC70-D045F1E6594F}">
   <ds:schemaRefs/>
 </ds:datastoreItem>
 </file>
--- a/RASD/Slide.pptx
+++ b/RASD/Slide.pptx
@@ -14086,15 +14086,25 @@
             <a:pPr lvl="1"/>
             <a:r>
               <a:rPr lang="en-US" noProof="0" dirty="0" smtClean="0"/>
-              <a:t>Specific requirements	19</a:t>
-            </a:r>
+              <a:t>Specific requirements	</a:t>
+            </a:r>
+            <a:r>
+              <a:rPr lang="en-US" noProof="0" dirty="0" smtClean="0"/>
+              <a:t>9</a:t>
+            </a:r>
+            <a:endParaRPr lang="en-US" noProof="0" dirty="0" smtClean="0"/>
           </a:p>
           <a:p>
             <a:pPr lvl="1"/>
             <a:r>
               <a:rPr lang="en-US" noProof="0" dirty="0" smtClean="0"/>
-              <a:t>Alloy	22</a:t>
-            </a:r>
+              <a:t>Alloy	</a:t>
+            </a:r>
+            <a:r>
+              <a:rPr lang="en-US" noProof="0" dirty="0" smtClean="0"/>
+              <a:t>15</a:t>
+            </a:r>
+            <a:endParaRPr lang="en-US" noProof="0" dirty="0" smtClean="0"/>
           </a:p>
         </p:txBody>
       </p:sp>
@@ -14248,15 +14258,25 @@
             <a:pPr lvl="1"/>
             <a:r>
               <a:rPr lang="en-US" noProof="0" dirty="0" smtClean="0"/>
-              <a:t>Specific requirements	19</a:t>
-            </a:r>
+              <a:t>Specific requirements	</a:t>
+            </a:r>
+            <a:r>
+              <a:rPr lang="en-US" dirty="0"/>
+              <a:t>9</a:t>
+            </a:r>
+            <a:endParaRPr lang="en-US" noProof="0" dirty="0" smtClean="0"/>
           </a:p>
           <a:p>
             <a:pPr lvl="1"/>
             <a:r>
               <a:rPr lang="en-US" noProof="0" dirty="0" smtClean="0"/>
-              <a:t>Alloy	22</a:t>
-            </a:r>
+              <a:t>Alloy	</a:t>
+            </a:r>
+            <a:r>
+              <a:rPr lang="en-US" noProof="0" dirty="0" smtClean="0"/>
+              <a:t>15</a:t>
+            </a:r>
+            <a:endParaRPr lang="en-US" noProof="0" dirty="0" smtClean="0"/>
           </a:p>
         </p:txBody>
       </p:sp>
@@ -14785,15 +14805,25 @@
             <a:pPr lvl="1"/>
             <a:r>
               <a:rPr lang="en-US" noProof="0" dirty="0" smtClean="0"/>
-              <a:t>Specific requirements	19</a:t>
-            </a:r>
+              <a:t>Specific requirements	</a:t>
+            </a:r>
+            <a:r>
+              <a:rPr lang="en-US" noProof="0" dirty="0" smtClean="0"/>
+              <a:t>9</a:t>
+            </a:r>
+            <a:endParaRPr lang="en-US" noProof="0" dirty="0" smtClean="0"/>
           </a:p>
           <a:p>
             <a:pPr lvl="1"/>
             <a:r>
               <a:rPr lang="en-US" noProof="0" dirty="0" smtClean="0"/>
-              <a:t>Alloy	22</a:t>
-            </a:r>
+              <a:t>Alloy	</a:t>
+            </a:r>
+            <a:r>
+              <a:rPr lang="en-US" noProof="0" dirty="0" smtClean="0"/>
+              <a:t>15</a:t>
+            </a:r>
+            <a:endParaRPr lang="en-US" noProof="0" dirty="0" smtClean="0"/>
           </a:p>
         </p:txBody>
       </p:sp>
@@ -15392,8 +15422,13 @@
             <a:pPr lvl="1"/>
             <a:r>
               <a:rPr lang="en-US" noProof="0" dirty="0" smtClean="0"/>
-              <a:t>Alloy	22</a:t>
-            </a:r>
+              <a:t>Alloy	</a:t>
+            </a:r>
+            <a:r>
+              <a:rPr lang="en-US" noProof="0" dirty="0" smtClean="0"/>
+              <a:t>15</a:t>
+            </a:r>
+            <a:endParaRPr lang="en-US" noProof="0" dirty="0" smtClean="0"/>
           </a:p>
         </p:txBody>
       </p:sp>

--- a/RASD/Slide.pptx
+++ b/RASD/Slide.pptx
@@ -12892,17 +12892,10 @@
               <a:t>available ones</a:t>
             </a:r>
             <a:r>
-              <a:rPr lang="en-US" dirty="0" smtClean="0"/>
-              <a:t>. Driving </a:t>
-            </a:r>
-            <a:r>
-              <a:rPr lang="en-US" dirty="0" err="1" smtClean="0"/>
-              <a:t>licences</a:t>
-            </a:r>
-            <a:r>
-              <a:rPr lang="en-US" dirty="0" smtClean="0"/>
-              <a:t> database</a:t>
-            </a:r>
+              <a:rPr lang="en-US" smtClean="0"/>
+              <a:t>. </a:t>
+            </a:r>
+            <a:endParaRPr lang="en-US" smtClean="0"/>
           </a:p>
           <a:p>
             <a:pPr marL="342900" indent="-342900">
@@ -12910,8 +12903,12 @@
               <a:buChar char="•"/>
             </a:pPr>
             <a:r>
+              <a:rPr lang="en-US" smtClean="0"/>
+              <a:t>The </a:t>
+            </a:r>
+            <a:r>
               <a:rPr lang="en-US" dirty="0"/>
-              <a:t>The system allows only one reservation per time for each Registered Client</a:t>
+              <a:t>system allows only one reservation per time for each Registered Client</a:t>
             </a:r>
             <a:r>
               <a:rPr lang="en-US" dirty="0" smtClean="0"/>
@@ -13997,6 +13994,13 @@
   <p:clrMapOvr>
     <a:masterClrMapping/>
   </p:clrMapOvr>
+  <p:timing>
+    <p:tnLst>
+      <p:par>
+        <p:cTn id="1" dur="indefinite" restart="never" nodeType="tmRoot"/>
+      </p:par>
+    </p:tnLst>
+  </p:timing>
 </p:sld>
 </file>
 

--- a/RASD/Slide.pptx
+++ b/RASD/Slide.pptx
@@ -12892,10 +12892,10 @@
               <a:t>available ones</a:t>
             </a:r>
             <a:r>
-              <a:rPr lang="en-US" smtClean="0"/>
+              <a:rPr lang="en-US" dirty="0" smtClean="0"/>
               <a:t>. </a:t>
             </a:r>
-            <a:endParaRPr lang="en-US" smtClean="0"/>
+            <a:endParaRPr lang="en-US" dirty="0" smtClean="0"/>
           </a:p>
           <a:p>
             <a:pPr marL="342900" indent="-342900">
@@ -12903,7 +12903,7 @@
               <a:buChar char="•"/>
             </a:pPr>
             <a:r>
-              <a:rPr lang="en-US" smtClean="0"/>
+              <a:rPr lang="en-US" dirty="0" smtClean="0"/>
               <a:t>The </a:t>
             </a:r>
             <a:r>
@@ -13441,7 +13441,15 @@
           <a:p>
             <a:r>
               <a:rPr lang="en-US" sz="3200" b="1" dirty="0" smtClean="0"/>
-              <a:t>Use Cases 1</a:t>
+              <a:t>Use </a:t>
+            </a:r>
+            <a:r>
+              <a:rPr lang="en-US" sz="3200" b="1" dirty="0" smtClean="0"/>
+              <a:t>Case </a:t>
+            </a:r>
+            <a:r>
+              <a:rPr lang="en-US" sz="3200" b="1" dirty="0" smtClean="0"/>
+              <a:t>1</a:t>
             </a:r>
             <a:endParaRPr lang="en-US" sz="3200" b="1" dirty="0"/>
           </a:p>
@@ -13554,7 +13562,15 @@
           <a:p>
             <a:r>
               <a:rPr lang="en-US" sz="3200" b="1" dirty="0" smtClean="0"/>
-              <a:t>Use Cases 2</a:t>
+              <a:t>Use </a:t>
+            </a:r>
+            <a:r>
+              <a:rPr lang="en-US" sz="3200" b="1" dirty="0" smtClean="0"/>
+              <a:t>Case </a:t>
+            </a:r>
+            <a:r>
+              <a:rPr lang="en-US" sz="3200" b="1" dirty="0" smtClean="0"/>
+              <a:t>2</a:t>
             </a:r>
             <a:endParaRPr lang="en-US" sz="3200" b="1" dirty="0"/>
           </a:p>

--- a/RASD/Slide.pptx
+++ b/RASD/Slide.pptx
@@ -12820,10 +12820,10 @@
           <a:lstStyle/>
           <a:p>
             <a:r>
-              <a:rPr lang="en-US" dirty="0" smtClean="0"/>
+              <a:rPr lang="en-US" sz="2600" dirty="0" smtClean="0"/>
               <a:t>Specific requirements</a:t>
             </a:r>
-            <a:endParaRPr lang="en-US" dirty="0"/>
+            <a:endParaRPr lang="en-US" sz="2600" dirty="0"/>
           </a:p>
         </p:txBody>
       </p:sp>
@@ -12848,31 +12848,37 @@
           <a:lstStyle/>
           <a:p>
             <a:r>
-              <a:rPr lang="en-US" sz="3200" b="1" dirty="0" smtClean="0"/>
-              <a:t>Functional requirements (example)</a:t>
-            </a:r>
-          </a:p>
-          <a:p>
-            <a:endParaRPr lang="en-US" sz="2400" b="1" dirty="0" smtClean="0"/>
-          </a:p>
-          <a:p>
-            <a:r>
-              <a:rPr lang="en-US" sz="2400" dirty="0" smtClean="0"/>
+              <a:rPr lang="en-US" sz="2400" b="1" dirty="0" smtClean="0"/>
+              <a:t>Functional requirements </a:t>
+            </a:r>
+            <a:r>
+              <a:rPr lang="en-US" sz="1600" b="1" dirty="0" smtClean="0"/>
+              <a:t>(example)</a:t>
+            </a:r>
+          </a:p>
+          <a:p>
+            <a:endParaRPr lang="en-US" b="1" dirty="0" smtClean="0"/>
+          </a:p>
+          <a:p>
+            <a:r>
+              <a:rPr lang="en-US" sz="2200" dirty="0" smtClean="0"/>
               <a:t>G1 - The </a:t>
             </a:r>
             <a:r>
-              <a:rPr lang="en-US" sz="2400" dirty="0"/>
+              <a:rPr lang="en-US" sz="2200" dirty="0"/>
               <a:t>Registered Client can hire a car </a:t>
             </a:r>
             <a:r>
-              <a:rPr lang="en-US" sz="2400" dirty="0" smtClean="0"/>
+              <a:rPr lang="en-US" sz="2200" dirty="0" smtClean="0"/>
               <a:t>through web/mobile </a:t>
             </a:r>
             <a:r>
-              <a:rPr lang="en-US" sz="2400" dirty="0"/>
+              <a:rPr lang="en-US" sz="2200" dirty="0" smtClean="0"/>
               <a:t>application</a:t>
             </a:r>
-            <a:endParaRPr lang="en-US" sz="2400" b="1" dirty="0"/>
+          </a:p>
+          <a:p>
+            <a:endParaRPr lang="en-US" sz="1000" b="1" dirty="0"/>
           </a:p>
           <a:p>
             <a:pPr marL="342900" indent="-342900">
@@ -13093,7 +13099,7 @@
           <a:lstStyle/>
           <a:p>
             <a:r>
-              <a:rPr lang="en-US" dirty="0"/>
+              <a:rPr lang="en-US" sz="2600" dirty="0"/>
               <a:t>Specific requirements</a:t>
             </a:r>
           </a:p>
@@ -13417,10 +13423,10 @@
           <a:lstStyle/>
           <a:p>
             <a:r>
-              <a:rPr lang="en-US" dirty="0" smtClean="0"/>
+              <a:rPr lang="en-US" sz="2600" dirty="0" smtClean="0"/>
               <a:t>Specific requirements</a:t>
             </a:r>
-            <a:endParaRPr lang="en-US" dirty="0"/>
+            <a:endParaRPr lang="en-US" sz="2600" dirty="0"/>
           </a:p>
         </p:txBody>
       </p:sp>
@@ -13440,18 +13446,18 @@
           <a:lstStyle/>
           <a:p>
             <a:r>
-              <a:rPr lang="en-US" sz="3200" b="1" dirty="0" smtClean="0"/>
+              <a:rPr lang="en-US" sz="2400" b="1" dirty="0" smtClean="0"/>
               <a:t>Use </a:t>
             </a:r>
             <a:r>
-              <a:rPr lang="en-US" sz="3200" b="1" dirty="0" smtClean="0"/>
+              <a:rPr lang="en-US" sz="2400" b="1" dirty="0" smtClean="0"/>
               <a:t>Case </a:t>
             </a:r>
             <a:r>
-              <a:rPr lang="en-US" sz="3200" b="1" dirty="0" smtClean="0"/>
+              <a:rPr lang="en-US" sz="2400" b="1" dirty="0" smtClean="0"/>
               <a:t>1</a:t>
             </a:r>
-            <a:endParaRPr lang="en-US" sz="3200" b="1" dirty="0"/>
+            <a:endParaRPr lang="en-US" sz="2400" b="1" dirty="0"/>
           </a:p>
         </p:txBody>
       </p:sp>
@@ -13538,10 +13544,10 @@
           <a:lstStyle/>
           <a:p>
             <a:r>
-              <a:rPr lang="en-US" dirty="0" smtClean="0"/>
+              <a:rPr lang="en-US" sz="2600" dirty="0" smtClean="0"/>
               <a:t>Specific requirements</a:t>
             </a:r>
-            <a:endParaRPr lang="en-US" dirty="0"/>
+            <a:endParaRPr lang="en-US" sz="2600" dirty="0"/>
           </a:p>
         </p:txBody>
       </p:sp>
@@ -13561,18 +13567,18 @@
           <a:lstStyle/>
           <a:p>
             <a:r>
-              <a:rPr lang="en-US" sz="3200" b="1" dirty="0" smtClean="0"/>
+              <a:rPr lang="en-US" sz="2400" b="1" dirty="0" smtClean="0"/>
               <a:t>Use </a:t>
             </a:r>
             <a:r>
-              <a:rPr lang="en-US" sz="3200" b="1" dirty="0" smtClean="0"/>
+              <a:rPr lang="en-US" sz="2400" b="1" dirty="0" smtClean="0"/>
               <a:t>Case </a:t>
             </a:r>
             <a:r>
-              <a:rPr lang="en-US" sz="3200" b="1" dirty="0" smtClean="0"/>
+              <a:rPr lang="en-US" sz="2400" b="1" dirty="0" smtClean="0"/>
               <a:t>2</a:t>
             </a:r>
-            <a:endParaRPr lang="en-US" sz="3200" b="1" dirty="0"/>
+            <a:endParaRPr lang="en-US" sz="2400" b="1" dirty="0"/>
           </a:p>
         </p:txBody>
       </p:sp>
@@ -13659,10 +13665,10 @@
           <a:lstStyle/>
           <a:p>
             <a:r>
-              <a:rPr lang="en-US" dirty="0" smtClean="0"/>
+              <a:rPr lang="en-US" sz="2600" dirty="0" smtClean="0"/>
               <a:t>Specific requirements</a:t>
             </a:r>
-            <a:endParaRPr lang="en-US" dirty="0"/>
+            <a:endParaRPr lang="en-US" sz="2600" dirty="0"/>
           </a:p>
         </p:txBody>
       </p:sp>
@@ -13682,10 +13688,10 @@
           <a:lstStyle/>
           <a:p>
             <a:r>
-              <a:rPr lang="en-US" sz="3200" b="1" dirty="0" smtClean="0"/>
+              <a:rPr lang="en-US" sz="2400" b="1" dirty="0" smtClean="0"/>
               <a:t>Class Diagram</a:t>
             </a:r>
-            <a:endParaRPr lang="en-US" sz="3200" b="1" dirty="0"/>
+            <a:endParaRPr lang="en-US" sz="2400" b="1" dirty="0"/>
           </a:p>
         </p:txBody>
       </p:sp>
@@ -13772,10 +13778,10 @@
           <a:lstStyle/>
           <a:p>
             <a:r>
-              <a:rPr lang="en-US" dirty="0" smtClean="0"/>
+              <a:rPr lang="en-US" sz="2600" dirty="0" smtClean="0"/>
               <a:t>Alloy</a:t>
             </a:r>
-            <a:endParaRPr lang="en-US" noProof="0" dirty="0" smtClean="0"/>
+            <a:endParaRPr lang="en-US" sz="2600" noProof="0" dirty="0" smtClean="0"/>
           </a:p>
         </p:txBody>
       </p:sp>
@@ -13940,10 +13946,10 @@
           <a:lstStyle/>
           <a:p>
             <a:r>
-              <a:rPr lang="en-US" dirty="0" smtClean="0"/>
+              <a:rPr lang="en-US" sz="2600" dirty="0" smtClean="0"/>
               <a:t>Alloy</a:t>
             </a:r>
-            <a:endParaRPr lang="en-US" dirty="0"/>
+            <a:endParaRPr lang="en-US" sz="2600" dirty="0"/>
           </a:p>
         </p:txBody>
       </p:sp>
@@ -13963,10 +13969,10 @@
           <a:lstStyle/>
           <a:p>
             <a:r>
-              <a:rPr lang="en-US" sz="3200" b="1" dirty="0" smtClean="0"/>
+              <a:rPr lang="en-US" sz="2400" b="1" dirty="0" smtClean="0"/>
               <a:t>Generated world</a:t>
             </a:r>
-            <a:endParaRPr lang="en-US" sz="3200" b="1" dirty="0"/>
+            <a:endParaRPr lang="en-US" sz="2400" b="1" dirty="0"/>
           </a:p>
         </p:txBody>
       </p:sp>
@@ -14053,14 +14059,14 @@
           <a:lstStyle/>
           <a:p>
             <a:r>
-              <a:rPr lang="en-US" dirty="0" smtClean="0"/>
+              <a:rPr lang="en-US" sz="2600" dirty="0" smtClean="0"/>
               <a:t>Table </a:t>
             </a:r>
             <a:r>
-              <a:rPr lang="en-US" dirty="0"/>
+              <a:rPr lang="en-US" sz="2600" dirty="0"/>
               <a:t>of content</a:t>
             </a:r>
-            <a:endParaRPr lang="en-US" noProof="0" dirty="0" smtClean="0"/>
+            <a:endParaRPr lang="en-US" sz="2600" noProof="0" dirty="0" smtClean="0"/>
           </a:p>
         </p:txBody>
       </p:sp>
@@ -14213,10 +14219,10 @@
           <a:lstStyle/>
           <a:p>
             <a:r>
-              <a:rPr lang="en-US" dirty="0" smtClean="0"/>
+              <a:rPr lang="en-US" sz="2600" dirty="0" smtClean="0"/>
               <a:t>Introduction</a:t>
             </a:r>
-            <a:endParaRPr lang="en-US" noProof="0" dirty="0" smtClean="0"/>
+            <a:endParaRPr lang="en-US" sz="2600" noProof="0" dirty="0" smtClean="0"/>
           </a:p>
         </p:txBody>
       </p:sp>
@@ -14385,12 +14391,9 @@
           <a:lstStyle/>
           <a:p>
             <a:r>
-              <a:rPr lang="en-US" noProof="0" dirty="0" smtClean="0"/>
+              <a:rPr lang="en-US" sz="2600" noProof="0" dirty="0" smtClean="0"/>
               <a:t>Introduction</a:t>
             </a:r>
-            <a:endParaRPr lang="en-US" noProof="0" dirty="0" smtClean="0">
-              <a:latin typeface="Arial" pitchFamily="34" charset="0"/>
-            </a:endParaRPr>
           </a:p>
         </p:txBody>
       </p:sp>
@@ -14410,14 +14413,11 @@
           <a:lstStyle/>
           <a:p>
             <a:r>
-              <a:rPr lang="en-US" sz="3200" b="1" noProof="0" dirty="0" smtClean="0">
+              <a:rPr lang="en-US" sz="2400" b="1" noProof="0" dirty="0" smtClean="0">
                 <a:latin typeface="Arial" pitchFamily="34" charset="0"/>
               </a:rPr>
               <a:t>Actors</a:t>
             </a:r>
-            <a:endParaRPr lang="en-US" b="1" noProof="0" dirty="0" smtClean="0">
-              <a:latin typeface="Arial" pitchFamily="34" charset="0"/>
-            </a:endParaRPr>
           </a:p>
           <a:p>
             <a:endParaRPr lang="en-US" noProof="0" dirty="0" smtClean="0">
@@ -14435,24 +14435,24 @@
           <a:p>
             <a:pPr lvl="1"/>
             <a:r>
-              <a:rPr lang="en-US" sz="2800" noProof="0" dirty="0" smtClean="0"/>
+              <a:rPr lang="en-US" noProof="0" dirty="0" smtClean="0"/>
               <a:t>Guest</a:t>
             </a:r>
           </a:p>
           <a:p>
             <a:pPr lvl="1"/>
             <a:r>
-              <a:rPr lang="en-US" sz="2800" noProof="0" dirty="0" smtClean="0"/>
+              <a:rPr lang="en-US" noProof="0" dirty="0" smtClean="0"/>
               <a:t>Registered client</a:t>
             </a:r>
           </a:p>
           <a:p>
             <a:pPr lvl="1"/>
             <a:r>
-              <a:rPr lang="en-US" sz="2800" dirty="0" smtClean="0"/>
+              <a:rPr lang="en-US" dirty="0" smtClean="0"/>
               <a:t>System administrators</a:t>
             </a:r>
-            <a:endParaRPr lang="en-US" sz="2800" noProof="0" dirty="0" smtClean="0"/>
+            <a:endParaRPr lang="en-US" noProof="0" dirty="0" smtClean="0"/>
           </a:p>
         </p:txBody>
       </p:sp>
@@ -14542,10 +14542,10 @@
           <a:lstStyle/>
           <a:p>
             <a:r>
-              <a:rPr lang="en-US" dirty="0" smtClean="0"/>
+              <a:rPr lang="en-US" sz="2600" dirty="0" smtClean="0"/>
               <a:t>Introduction</a:t>
             </a:r>
-            <a:endParaRPr lang="en-US" dirty="0"/>
+            <a:endParaRPr lang="en-US" sz="2600" dirty="0"/>
           </a:p>
         </p:txBody>
       </p:sp>
@@ -14570,11 +14570,15 @@
           <a:lstStyle/>
           <a:p>
             <a:r>
+              <a:rPr lang="en-US" sz="2400" b="1" dirty="0" smtClean="0"/>
+              <a:t>Goals</a:t>
+            </a:r>
+            <a:r>
               <a:rPr lang="en-US" sz="3200" b="1" dirty="0" smtClean="0"/>
-              <a:t>Goals </a:t>
-            </a:r>
-            <a:r>
-              <a:rPr lang="en-US" b="1" dirty="0" smtClean="0"/>
+              <a:t> </a:t>
+            </a:r>
+            <a:r>
+              <a:rPr lang="en-US" sz="1600" b="1" dirty="0" smtClean="0"/>
               <a:t>(most relevant)</a:t>
             </a:r>
           </a:p>
@@ -14756,10 +14760,10 @@
           <a:lstStyle/>
           <a:p>
             <a:r>
-              <a:rPr lang="en-US" dirty="0" smtClean="0"/>
+              <a:rPr lang="en-US" sz="2600" dirty="0" smtClean="0"/>
               <a:t>Overall description</a:t>
             </a:r>
-            <a:endParaRPr lang="en-US" noProof="0" dirty="0" smtClean="0"/>
+            <a:endParaRPr lang="en-US" sz="2600" noProof="0" dirty="0" smtClean="0"/>
           </a:p>
         </p:txBody>
       </p:sp>
@@ -14932,10 +14936,10 @@
           <a:lstStyle/>
           <a:p>
             <a:r>
-              <a:rPr lang="en-US" dirty="0" smtClean="0"/>
+              <a:rPr lang="en-US" sz="2600" dirty="0" smtClean="0"/>
               <a:t>Overall description</a:t>
             </a:r>
-            <a:endParaRPr lang="en-US" dirty="0"/>
+            <a:endParaRPr lang="en-US" sz="2600" dirty="0"/>
           </a:p>
         </p:txBody>
       </p:sp>
@@ -14960,7 +14964,7 @@
           <a:lstStyle/>
           <a:p>
             <a:r>
-              <a:rPr lang="en-US" sz="3200" b="1" dirty="0" smtClean="0"/>
+              <a:rPr lang="en-US" sz="2400" b="1" dirty="0" smtClean="0"/>
               <a:t>External services</a:t>
             </a:r>
           </a:p>
@@ -15111,10 +15115,10 @@
           <a:lstStyle/>
           <a:p>
             <a:r>
-              <a:rPr lang="en-US" dirty="0" smtClean="0"/>
+              <a:rPr lang="en-US" sz="2600" dirty="0" smtClean="0"/>
               <a:t>Overall description</a:t>
             </a:r>
-            <a:endParaRPr lang="en-US" dirty="0"/>
+            <a:endParaRPr lang="en-US" sz="2600" dirty="0"/>
           </a:p>
         </p:txBody>
       </p:sp>
@@ -15139,11 +15143,15 @@
           <a:lstStyle/>
           <a:p>
             <a:r>
+              <a:rPr lang="en-US" sz="2400" b="1" dirty="0" smtClean="0"/>
+              <a:t>Assumptions</a:t>
+            </a:r>
+            <a:r>
               <a:rPr lang="en-US" sz="3200" b="1" dirty="0" smtClean="0"/>
-              <a:t>Assumptions </a:t>
-            </a:r>
-            <a:r>
-              <a:rPr lang="en-US" b="1" dirty="0" smtClean="0"/>
+              <a:t> </a:t>
+            </a:r>
+            <a:r>
+              <a:rPr lang="en-US" sz="1600" b="1" dirty="0" smtClean="0"/>
               <a:t>(most relevant)</a:t>
             </a:r>
           </a:p>
@@ -15345,10 +15353,10 @@
           <a:lstStyle/>
           <a:p>
             <a:r>
-              <a:rPr lang="en-US" dirty="0" smtClean="0"/>
+              <a:rPr lang="en-US" sz="2600" dirty="0" smtClean="0"/>
               <a:t>Specific requirements</a:t>
             </a:r>
-            <a:endParaRPr lang="en-US" noProof="0" dirty="0" smtClean="0"/>
+            <a:endParaRPr lang="en-US" sz="2600" noProof="0" dirty="0" smtClean="0"/>
           </a:p>
         </p:txBody>
       </p:sp>

--- a/RASD/Slide.pptx
+++ b/RASD/Slide.pptx
@@ -2166,8 +2166,8 @@
         </p:blipFill>
         <p:spPr>
           <a:xfrm>
-            <a:off x="3175" y="1714"/>
-            <a:ext cx="12192000" cy="6854572"/>
+            <a:off x="0" y="1714"/>
+            <a:ext cx="12232800" cy="6854572"/>
           </a:xfrm>
           <a:prstGeom prst="rect">
             <a:avLst/>
@@ -13038,8 +13038,8 @@
         </p:blipFill>
         <p:spPr>
           <a:xfrm>
-            <a:off x="9555559" y="2984646"/>
-            <a:ext cx="1463383" cy="1463383"/>
+            <a:off x="10059615" y="3212976"/>
+            <a:ext cx="1164434" cy="1164434"/>
           </a:xfrm>
           <a:prstGeom prst="rect">
             <a:avLst/>
@@ -13342,7 +13342,7 @@
       </p:sp>
       <p:pic>
         <p:nvPicPr>
-          <p:cNvPr id="4" name="Picture 3"/>
+          <p:cNvPr id="5" name="Picture 4"/>
           <p:cNvPicPr>
             <a:picLocks noChangeAspect="1"/>
           </p:cNvPicPr>
@@ -13362,8 +13362,8 @@
         </p:blipFill>
         <p:spPr>
           <a:xfrm>
-            <a:off x="9555559" y="2984646"/>
-            <a:ext cx="1463383" cy="1463383"/>
+            <a:off x="10059615" y="3212976"/>
+            <a:ext cx="1164434" cy="1164434"/>
           </a:xfrm>
           <a:prstGeom prst="rect">
             <a:avLst/>
@@ -13861,17 +13861,27 @@
           </a:p>
         </p:txBody>
       </p:sp>
-      <p:pic>
-        <p:nvPicPr>
-          <p:cNvPr id="4" name="Bildplatzhalter 3"/>
-          <p:cNvPicPr>
-            <a:picLocks noGrp="1" noChangeAspect="1"/>
-          </p:cNvPicPr>
+      <p:sp>
+        <p:nvSpPr>
+          <p:cNvPr id="2" name="Picture Placeholder 1"/>
+          <p:cNvSpPr>
+            <a:spLocks noGrp="1"/>
+          </p:cNvSpPr>
           <p:nvPr>
             <p:ph type="pic" sz="quarter" idx="15"/>
           </p:nvPr>
+        </p:nvSpPr>
+        <p:spPr/>
+      </p:sp>
+      <p:pic>
+        <p:nvPicPr>
+          <p:cNvPr id="6" name="Bildplatzhalter 3"/>
+          <p:cNvPicPr>
+            <a:picLocks noChangeAspect="1"/>
+          </p:cNvPicPr>
+          <p:nvPr/>
         </p:nvPicPr>
-        <p:blipFill>
+        <p:blipFill rotWithShape="1">
           <a:blip r:embed="rId4">
             <a:extLst>
               <a:ext uri="{28A0092B-C50C-407E-A947-70E740481C1C}">
@@ -13879,15 +13889,24 @@
               </a:ext>
             </a:extLst>
           </a:blip>
-          <a:stretch>
-            <a:fillRect/>
-          </a:stretch>
+          <a:srcRect/>
+          <a:stretch/>
         </p:blipFill>
-        <p:spPr>
+        <p:spPr bwMode="auto">
           <a:xfrm>
-            <a:off x="451" y="1414799"/>
-            <a:ext cx="4513498" cy="4751051"/>
+            <a:off x="451" y="1412776"/>
+            <a:ext cx="4513498" cy="4753074"/>
           </a:xfrm>
+          <a:prstGeom prst="rect">
+            <a:avLst/>
+          </a:prstGeom>
+          <a:noFill/>
+          <a:ln w="9525">
+            <a:noFill/>
+            <a:miter lim="800000"/>
+            <a:headEnd/>
+            <a:tailEnd/>
+          </a:ln>
         </p:spPr>
       </p:pic>
     </p:spTree>
@@ -14144,7 +14163,7 @@
             <p:ph type="pic" sz="quarter" idx="15"/>
           </p:nvPr>
         </p:nvPicPr>
-        <p:blipFill>
+        <p:blipFill rotWithShape="1">
           <a:blip r:embed="rId4">
             <a:extLst>
               <a:ext uri="{28A0092B-C50C-407E-A947-70E740481C1C}">
@@ -14152,14 +14171,13 @@
               </a:ext>
             </a:extLst>
           </a:blip>
-          <a:stretch>
-            <a:fillRect/>
-          </a:stretch>
+          <a:srcRect/>
+          <a:stretch/>
         </p:blipFill>
         <p:spPr>
           <a:xfrm>
-            <a:off x="451" y="1414799"/>
-            <a:ext cx="4513498" cy="4751051"/>
+            <a:off x="451" y="1412776"/>
+            <a:ext cx="4513498" cy="4753074"/>
           </a:xfrm>
         </p:spPr>
       </p:pic>
@@ -14306,17 +14324,27 @@
           </a:p>
         </p:txBody>
       </p:sp>
-      <p:pic>
-        <p:nvPicPr>
-          <p:cNvPr id="4" name="Bildplatzhalter 3"/>
-          <p:cNvPicPr>
-            <a:picLocks noGrp="1" noChangeAspect="1"/>
-          </p:cNvPicPr>
+      <p:sp>
+        <p:nvSpPr>
+          <p:cNvPr id="2" name="Picture Placeholder 1"/>
+          <p:cNvSpPr>
+            <a:spLocks noGrp="1"/>
+          </p:cNvSpPr>
           <p:nvPr>
             <p:ph type="pic" sz="quarter" idx="15"/>
           </p:nvPr>
+        </p:nvSpPr>
+        <p:spPr/>
+      </p:sp>
+      <p:pic>
+        <p:nvPicPr>
+          <p:cNvPr id="6" name="Bildplatzhalter 3"/>
+          <p:cNvPicPr>
+            <a:picLocks noChangeAspect="1"/>
+          </p:cNvPicPr>
+          <p:nvPr/>
         </p:nvPicPr>
-        <p:blipFill>
+        <p:blipFill rotWithShape="1">
           <a:blip r:embed="rId4">
             <a:extLst>
               <a:ext uri="{28A0092B-C50C-407E-A947-70E740481C1C}">
@@ -14324,15 +14352,24 @@
               </a:ext>
             </a:extLst>
           </a:blip>
-          <a:stretch>
-            <a:fillRect/>
-          </a:stretch>
+          <a:srcRect/>
+          <a:stretch/>
         </p:blipFill>
-        <p:spPr>
+        <p:spPr bwMode="auto">
           <a:xfrm>
-            <a:off x="451" y="1414799"/>
-            <a:ext cx="4513498" cy="4751051"/>
+            <a:off x="451" y="1412776"/>
+            <a:ext cx="4513498" cy="4753074"/>
           </a:xfrm>
+          <a:prstGeom prst="rect">
+            <a:avLst/>
+          </a:prstGeom>
+          <a:noFill/>
+          <a:ln w="9525">
+            <a:noFill/>
+            <a:miter lim="800000"/>
+            <a:headEnd/>
+            <a:tailEnd/>
+          </a:ln>
         </p:spPr>
       </p:pic>
     </p:spTree>
@@ -14478,7 +14515,7 @@
         </p:blipFill>
         <p:spPr>
           <a:xfrm>
-            <a:off x="9267527" y="2492896"/>
+            <a:off x="9260939" y="2646362"/>
             <a:ext cx="1752600" cy="2286000"/>
           </a:xfrm>
           <a:prstGeom prst="rect">
@@ -14699,8 +14736,8 @@
         </p:blipFill>
         <p:spPr>
           <a:xfrm>
-            <a:off x="8979495" y="2636912"/>
-            <a:ext cx="1952380" cy="1952380"/>
+            <a:off x="9195519" y="2924944"/>
+            <a:ext cx="1728192" cy="1728192"/>
           </a:xfrm>
           <a:prstGeom prst="rect">
             <a:avLst/>
@@ -14851,17 +14888,27 @@
           </a:p>
         </p:txBody>
       </p:sp>
-      <p:pic>
-        <p:nvPicPr>
-          <p:cNvPr id="4" name="Bildplatzhalter 3"/>
-          <p:cNvPicPr>
-            <a:picLocks noGrp="1" noChangeAspect="1"/>
-          </p:cNvPicPr>
+      <p:sp>
+        <p:nvSpPr>
+          <p:cNvPr id="2" name="Picture Placeholder 1"/>
+          <p:cNvSpPr>
+            <a:spLocks noGrp="1"/>
+          </p:cNvSpPr>
           <p:nvPr>
             <p:ph type="pic" sz="quarter" idx="15"/>
           </p:nvPr>
+        </p:nvSpPr>
+        <p:spPr/>
+      </p:sp>
+      <p:pic>
+        <p:nvPicPr>
+          <p:cNvPr id="6" name="Bildplatzhalter 3"/>
+          <p:cNvPicPr>
+            <a:picLocks noChangeAspect="1"/>
+          </p:cNvPicPr>
+          <p:nvPr/>
         </p:nvPicPr>
-        <p:blipFill>
+        <p:blipFill rotWithShape="1">
           <a:blip r:embed="rId4">
             <a:extLst>
               <a:ext uri="{28A0092B-C50C-407E-A947-70E740481C1C}">
@@ -14869,15 +14916,24 @@
               </a:ext>
             </a:extLst>
           </a:blip>
-          <a:stretch>
-            <a:fillRect/>
-          </a:stretch>
+          <a:srcRect/>
+          <a:stretch/>
         </p:blipFill>
-        <p:spPr>
+        <p:spPr bwMode="auto">
           <a:xfrm>
-            <a:off x="451" y="1414799"/>
-            <a:ext cx="4513498" cy="4751051"/>
+            <a:off x="451" y="1412776"/>
+            <a:ext cx="4513498" cy="4753074"/>
           </a:xfrm>
+          <a:prstGeom prst="rect">
+            <a:avLst/>
+          </a:prstGeom>
+          <a:noFill/>
+          <a:ln w="9525">
+            <a:noFill/>
+            <a:miter lim="800000"/>
+            <a:headEnd/>
+            <a:tailEnd/>
+          </a:ln>
         </p:spPr>
       </p:pic>
     </p:spTree>
@@ -15054,8 +15110,8 @@
         </p:blipFill>
         <p:spPr>
           <a:xfrm>
-            <a:off x="9123511" y="2852242"/>
-            <a:ext cx="1728192" cy="1728192"/>
+            <a:off x="9483551" y="3032931"/>
+            <a:ext cx="1512862" cy="1512862"/>
           </a:xfrm>
           <a:prstGeom prst="rect">
             <a:avLst/>
@@ -15272,7 +15328,7 @@
       </p:sp>
       <p:pic>
         <p:nvPicPr>
-          <p:cNvPr id="6" name="Picture 5"/>
+          <p:cNvPr id="7" name="Picture 6"/>
           <p:cNvPicPr>
             <a:picLocks noChangeAspect="1"/>
           </p:cNvPicPr>
@@ -15292,8 +15348,8 @@
         </p:blipFill>
         <p:spPr>
           <a:xfrm>
-            <a:off x="9123511" y="2852242"/>
-            <a:ext cx="1728192" cy="1728192"/>
+            <a:off x="9639198" y="3082924"/>
+            <a:ext cx="1412875" cy="1412875"/>
           </a:xfrm>
           <a:prstGeom prst="rect">
             <a:avLst/>
@@ -15460,17 +15516,27 @@
           </a:p>
         </p:txBody>
       </p:sp>
-      <p:pic>
-        <p:nvPicPr>
-          <p:cNvPr id="4" name="Bildplatzhalter 3"/>
-          <p:cNvPicPr>
-            <a:picLocks noGrp="1" noChangeAspect="1"/>
-          </p:cNvPicPr>
+      <p:sp>
+        <p:nvSpPr>
+          <p:cNvPr id="2" name="Picture Placeholder 1"/>
+          <p:cNvSpPr>
+            <a:spLocks noGrp="1"/>
+          </p:cNvSpPr>
           <p:nvPr>
             <p:ph type="pic" sz="quarter" idx="15"/>
           </p:nvPr>
+        </p:nvSpPr>
+        <p:spPr/>
+      </p:sp>
+      <p:pic>
+        <p:nvPicPr>
+          <p:cNvPr id="6" name="Bildplatzhalter 3"/>
+          <p:cNvPicPr>
+            <a:picLocks noChangeAspect="1"/>
+          </p:cNvPicPr>
+          <p:nvPr/>
         </p:nvPicPr>
-        <p:blipFill>
+        <p:blipFill rotWithShape="1">
           <a:blip r:embed="rId4">
             <a:extLst>
               <a:ext uri="{28A0092B-C50C-407E-A947-70E740481C1C}">
@@ -15478,15 +15544,24 @@
               </a:ext>
             </a:extLst>
           </a:blip>
-          <a:stretch>
-            <a:fillRect/>
-          </a:stretch>
+          <a:srcRect/>
+          <a:stretch/>
         </p:blipFill>
-        <p:spPr>
+        <p:spPr bwMode="auto">
           <a:xfrm>
-            <a:off x="451" y="1414799"/>
-            <a:ext cx="4513498" cy="4751051"/>
+            <a:off x="451" y="1412776"/>
+            <a:ext cx="4513498" cy="4753074"/>
           </a:xfrm>
+          <a:prstGeom prst="rect">
+            <a:avLst/>
+          </a:prstGeom>
+          <a:noFill/>
+          <a:ln w="9525">
+            <a:noFill/>
+            <a:miter lim="800000"/>
+            <a:headEnd/>
+            <a:tailEnd/>
+          </a:ln>
         </p:spPr>
       </p:pic>
     </p:spTree>

--- a/RASD/Slide.pptx
+++ b/RASD/Slide.pptx
@@ -5,10 +5,10 @@
     <p:sldMasterId id="2147483669" r:id="rId17"/>
   </p:sldMasterIdLst>
   <p:notesMasterIdLst>
-    <p:notesMasterId r:id="rId34"/>
+    <p:notesMasterId r:id="rId35"/>
   </p:notesMasterIdLst>
   <p:handoutMasterIdLst>
-    <p:handoutMasterId r:id="rId35"/>
+    <p:handoutMasterId r:id="rId36"/>
   </p:handoutMasterIdLst>
   <p:sldIdLst>
     <p:sldId id="902" r:id="rId18"/>
@@ -27,12 +27,13 @@
     <p:sldId id="921" r:id="rId31"/>
     <p:sldId id="913" r:id="rId32"/>
     <p:sldId id="922" r:id="rId33"/>
+    <p:sldId id="923" r:id="rId34"/>
   </p:sldIdLst>
   <p:sldSz cx="12198350" cy="6858000"/>
   <p:notesSz cx="7099300" cy="10234613"/>
   <p:custDataLst>
-    <p:custData r:id="rId8"/>
-    <p:tags r:id="rId36"/>
+    <p:custData r:id="rId15"/>
+    <p:tags r:id="rId37"/>
   </p:custDataLst>
   <p:defaultTextStyle>
     <a:defPPr>
@@ -12870,11 +12871,7 @@
             </a:r>
             <a:r>
               <a:rPr lang="en-US" sz="2200" dirty="0" smtClean="0"/>
-              <a:t>through web/mobile </a:t>
-            </a:r>
-            <a:r>
-              <a:rPr lang="en-US" sz="2200" dirty="0" smtClean="0"/>
-              <a:t>application</a:t>
+              <a:t>through web/mobile application</a:t>
             </a:r>
           </a:p>
           <a:p>
@@ -12901,7 +12898,6 @@
               <a:rPr lang="en-US" dirty="0" smtClean="0"/>
               <a:t>. </a:t>
             </a:r>
-            <a:endParaRPr lang="en-US" dirty="0" smtClean="0"/>
           </a:p>
           <a:p>
             <a:pPr marL="342900" indent="-342900">
@@ -13447,15 +13443,7 @@
           <a:p>
             <a:r>
               <a:rPr lang="en-US" sz="2400" b="1" dirty="0" smtClean="0"/>
-              <a:t>Use </a:t>
-            </a:r>
-            <a:r>
-              <a:rPr lang="en-US" sz="2400" b="1" dirty="0" smtClean="0"/>
-              <a:t>Case </a:t>
-            </a:r>
-            <a:r>
-              <a:rPr lang="en-US" sz="2400" b="1" dirty="0" smtClean="0"/>
-              <a:t>1</a:t>
+              <a:t>Use Case 1</a:t>
             </a:r>
             <a:endParaRPr lang="en-US" sz="2400" b="1" dirty="0"/>
           </a:p>
@@ -13568,15 +13556,7 @@
           <a:p>
             <a:r>
               <a:rPr lang="en-US" sz="2400" b="1" dirty="0" smtClean="0"/>
-              <a:t>Use </a:t>
-            </a:r>
-            <a:r>
-              <a:rPr lang="en-US" sz="2400" b="1" dirty="0" smtClean="0"/>
-              <a:t>Case </a:t>
-            </a:r>
-            <a:r>
-              <a:rPr lang="en-US" sz="2400" b="1" dirty="0" smtClean="0"/>
-              <a:t>2</a:t>
+              <a:t>Use Case 2</a:t>
             </a:r>
             <a:endParaRPr lang="en-US" sz="2400" b="1" dirty="0"/>
           </a:p>
@@ -13815,13 +13795,8 @@
             <a:pPr lvl="1"/>
             <a:r>
               <a:rPr lang="en-US" noProof="0" dirty="0" smtClean="0"/>
-              <a:t>Overall description	</a:t>
-            </a:r>
-            <a:r>
-              <a:rPr lang="en-US" noProof="0" dirty="0" smtClean="0"/>
-              <a:t>6</a:t>
-            </a:r>
-            <a:endParaRPr lang="en-US" noProof="0" dirty="0" smtClean="0"/>
+              <a:t>Overall description	6</a:t>
+            </a:r>
           </a:p>
           <a:p>
             <a:pPr lvl="1"/>
@@ -13839,23 +13814,14 @@
             <a:pPr lvl="1"/>
             <a:r>
               <a:rPr lang="en-US" b="1" noProof="0" dirty="0" smtClean="0"/>
-              <a:t>Alloy	</a:t>
-            </a:r>
-            <a:r>
-              <a:rPr lang="en-US" b="1" noProof="0" dirty="0" smtClean="0"/>
-              <a:t>15</a:t>
-            </a:r>
-            <a:endParaRPr lang="en-US" b="1" noProof="0" dirty="0" smtClean="0"/>
+              <a:t>Alloy	15</a:t>
+            </a:r>
           </a:p>
           <a:p>
             <a:pPr lvl="3"/>
             <a:r>
               <a:rPr lang="en-US" b="1" dirty="0" smtClean="0"/>
-              <a:t>Generated </a:t>
-            </a:r>
-            <a:r>
-              <a:rPr lang="en-US" b="1" dirty="0" smtClean="0"/>
-              <a:t>world	16</a:t>
+              <a:t>Generated world	16</a:t>
             </a:r>
             <a:endParaRPr lang="en-US" b="1" noProof="0" dirty="0" smtClean="0"/>
           </a:p>
@@ -14045,6 +14011,91 @@
 </p:sld>
 </file>
 
+<file path=ppt/slides/slide17.xml><?xml version="1.0" encoding="utf-8"?>
+<p:sld xmlns:a="http://schemas.openxmlformats.org/drawingml/2006/main" xmlns:r="http://schemas.openxmlformats.org/officeDocument/2006/relationships" xmlns:p="http://schemas.openxmlformats.org/presentationml/2006/main">
+  <p:cSld>
+    <p:spTree>
+      <p:nvGrpSpPr>
+        <p:cNvPr id="1" name=""/>
+        <p:cNvGrpSpPr/>
+        <p:nvPr/>
+      </p:nvGrpSpPr>
+      <p:grpSpPr>
+        <a:xfrm>
+          <a:off x="0" y="0"/>
+          <a:ext cx="0" cy="0"/>
+          <a:chOff x="0" y="0"/>
+          <a:chExt cx="0" cy="0"/>
+        </a:xfrm>
+      </p:grpSpPr>
+      <p:sp>
+        <p:nvSpPr>
+          <p:cNvPr id="2" name="Title 1"/>
+          <p:cNvSpPr>
+            <a:spLocks noGrp="1"/>
+          </p:cNvSpPr>
+          <p:nvPr>
+            <p:ph type="title"/>
+          </p:nvPr>
+        </p:nvSpPr>
+        <p:spPr/>
+        <p:txBody>
+          <a:bodyPr/>
+          <a:lstStyle/>
+          <a:p>
+            <a:endParaRPr lang="en-US"/>
+          </a:p>
+        </p:txBody>
+      </p:sp>
+      <p:sp>
+        <p:nvSpPr>
+          <p:cNvPr id="3" name="Content Placeholder 2"/>
+          <p:cNvSpPr>
+            <a:spLocks noGrp="1"/>
+          </p:cNvSpPr>
+          <p:nvPr>
+            <p:ph idx="1"/>
+          </p:nvPr>
+        </p:nvSpPr>
+        <p:spPr>
+          <a:xfrm>
+            <a:off x="3642075" y="3351214"/>
+            <a:ext cx="4914199" cy="791840"/>
+          </a:xfrm>
+        </p:spPr>
+        <p:txBody>
+          <a:bodyPr/>
+          <a:lstStyle/>
+          <a:p>
+            <a:pPr algn="ctr"/>
+            <a:r>
+              <a:rPr lang="en-US" sz="5000" b="1" dirty="0" smtClean="0"/>
+              <a:t>QUESTIONS?</a:t>
+            </a:r>
+            <a:endParaRPr lang="en-US" sz="5000" b="1" dirty="0"/>
+          </a:p>
+        </p:txBody>
+      </p:sp>
+    </p:spTree>
+    <p:extLst>
+      <p:ext uri="{BB962C8B-B14F-4D97-AF65-F5344CB8AC3E}">
+        <p14:creationId xmlns:p14="http://schemas.microsoft.com/office/powerpoint/2010/main" val="780684115"/>
+      </p:ext>
+    </p:extLst>
+  </p:cSld>
+  <p:clrMapOvr>
+    <a:masterClrMapping/>
+  </p:clrMapOvr>
+  <p:timing>
+    <p:tnLst>
+      <p:par>
+        <p:cTn id="1" dur="indefinite" restart="never" nodeType="tmRoot"/>
+      </p:par>
+    </p:tnLst>
+  </p:timing>
+</p:sld>
+</file>
+
 <file path=ppt/slides/slide2.xml><?xml version="1.0" encoding="utf-8"?>
 <p:sld xmlns:a="http://schemas.openxmlformats.org/drawingml/2006/main" xmlns:r="http://schemas.openxmlformats.org/officeDocument/2006/relationships" xmlns:p="http://schemas.openxmlformats.org/presentationml/2006/main">
   <p:cSld>
@@ -14107,49 +14158,29 @@
             <a:pPr lvl="1"/>
             <a:r>
               <a:rPr lang="en-US" noProof="0" dirty="0" smtClean="0"/>
-              <a:t>Introduction	</a:t>
-            </a:r>
+              <a:t>Introduction	3</a:t>
+            </a:r>
+          </a:p>
+          <a:p>
+            <a:pPr lvl="1"/>
             <a:r>
               <a:rPr lang="en-US" noProof="0" dirty="0" smtClean="0"/>
-              <a:t>3</a:t>
-            </a:r>
-            <a:endParaRPr lang="en-US" noProof="0" dirty="0" smtClean="0"/>
+              <a:t>Overall description	6</a:t>
+            </a:r>
           </a:p>
           <a:p>
             <a:pPr lvl="1"/>
             <a:r>
               <a:rPr lang="en-US" noProof="0" dirty="0" smtClean="0"/>
-              <a:t>Overall description	</a:t>
-            </a:r>
+              <a:t>Specific requirements	9</a:t>
+            </a:r>
+          </a:p>
+          <a:p>
+            <a:pPr lvl="1"/>
             <a:r>
               <a:rPr lang="en-US" noProof="0" dirty="0" smtClean="0"/>
-              <a:t>6</a:t>
-            </a:r>
-            <a:endParaRPr lang="en-US" noProof="0" dirty="0" smtClean="0"/>
-          </a:p>
-          <a:p>
-            <a:pPr lvl="1"/>
-            <a:r>
-              <a:rPr lang="en-US" noProof="0" dirty="0" smtClean="0"/>
-              <a:t>Specific requirements	</a:t>
-            </a:r>
-            <a:r>
-              <a:rPr lang="en-US" noProof="0" dirty="0" smtClean="0"/>
-              <a:t>9</a:t>
-            </a:r>
-            <a:endParaRPr lang="en-US" noProof="0" dirty="0" smtClean="0"/>
-          </a:p>
-          <a:p>
-            <a:pPr lvl="1"/>
-            <a:r>
-              <a:rPr lang="en-US" noProof="0" dirty="0" smtClean="0"/>
-              <a:t>Alloy	</a:t>
-            </a:r>
-            <a:r>
-              <a:rPr lang="en-US" noProof="0" dirty="0" smtClean="0"/>
-              <a:t>15</a:t>
-            </a:r>
-            <a:endParaRPr lang="en-US" noProof="0" dirty="0" smtClean="0"/>
+              <a:t>Alloy	15</a:t>
+            </a:r>
           </a:p>
         </p:txBody>
       </p:sp>
@@ -14262,13 +14293,8 @@
             <a:pPr lvl="1"/>
             <a:r>
               <a:rPr lang="en-US" b="1" noProof="0" dirty="0" smtClean="0"/>
-              <a:t>Introduction	</a:t>
-            </a:r>
-            <a:r>
-              <a:rPr lang="en-US" b="1" noProof="0" dirty="0" smtClean="0"/>
-              <a:t>3</a:t>
-            </a:r>
-            <a:endParaRPr lang="en-US" b="1" noProof="0" dirty="0" smtClean="0"/>
+              <a:t>Introduction	3</a:t>
+            </a:r>
           </a:p>
           <a:p>
             <a:pPr lvl="3"/>
@@ -14276,7 +14302,6 @@
               <a:rPr lang="en-US" b="1" dirty="0" smtClean="0"/>
               <a:t>Actors	4</a:t>
             </a:r>
-            <a:endParaRPr lang="en-US" b="1" dirty="0" smtClean="0"/>
           </a:p>
           <a:p>
             <a:pPr lvl="3"/>
@@ -14284,19 +14309,13 @@
               <a:rPr lang="en-US" b="1" noProof="0" dirty="0" smtClean="0"/>
               <a:t>Goals	5</a:t>
             </a:r>
-            <a:endParaRPr lang="en-US" b="1" noProof="0" dirty="0" smtClean="0"/>
           </a:p>
           <a:p>
             <a:pPr lvl="1"/>
             <a:r>
               <a:rPr lang="en-US" noProof="0" dirty="0" smtClean="0"/>
-              <a:t>Overall description	</a:t>
-            </a:r>
-            <a:r>
-              <a:rPr lang="en-US" noProof="0" dirty="0" smtClean="0"/>
-              <a:t>6</a:t>
-            </a:r>
-            <a:endParaRPr lang="en-US" noProof="0" dirty="0" smtClean="0"/>
+              <a:t>Overall description	6</a:t>
+            </a:r>
           </a:p>
           <a:p>
             <a:pPr lvl="1"/>
@@ -14314,13 +14333,8 @@
             <a:pPr lvl="1"/>
             <a:r>
               <a:rPr lang="en-US" noProof="0" dirty="0" smtClean="0"/>
-              <a:t>Alloy	</a:t>
-            </a:r>
-            <a:r>
-              <a:rPr lang="en-US" noProof="0" dirty="0" smtClean="0"/>
-              <a:t>15</a:t>
-            </a:r>
-            <a:endParaRPr lang="en-US" noProof="0" dirty="0" smtClean="0"/>
+              <a:t>Alloy	15</a:t>
+            </a:r>
           </a:p>
         </p:txBody>
       </p:sp>
@@ -14822,13 +14836,8 @@
             <a:pPr lvl="1"/>
             <a:r>
               <a:rPr lang="en-US" noProof="0" dirty="0" smtClean="0"/>
-              <a:t>Introduction	</a:t>
-            </a:r>
-            <a:r>
-              <a:rPr lang="en-US" noProof="0" dirty="0" smtClean="0"/>
-              <a:t>3</a:t>
-            </a:r>
-            <a:endParaRPr lang="en-US" noProof="0" dirty="0" smtClean="0"/>
+              <a:t>Introduction	3</a:t>
+            </a:r>
           </a:p>
           <a:p>
             <a:pPr lvl="1"/>
@@ -14846,13 +14855,8 @@
             <a:pPr lvl="3"/>
             <a:r>
               <a:rPr lang="en-US" b="1" noProof="0" dirty="0" smtClean="0"/>
-              <a:t>External </a:t>
-            </a:r>
-            <a:r>
-              <a:rPr lang="en-US" b="1" noProof="0" dirty="0" smtClean="0"/>
-              <a:t>services	7</a:t>
-            </a:r>
-            <a:endParaRPr lang="en-US" b="1" noProof="0" dirty="0" smtClean="0"/>
+              <a:t>External services	7</a:t>
+            </a:r>
           </a:p>
           <a:p>
             <a:pPr lvl="3"/>
@@ -14860,31 +14864,20 @@
               <a:rPr lang="en-US" b="1" noProof="0" dirty="0" smtClean="0"/>
               <a:t>Assumptions	8</a:t>
             </a:r>
-            <a:endParaRPr lang="en-US" b="1" noProof="0" dirty="0" smtClean="0"/>
           </a:p>
           <a:p>
             <a:pPr lvl="1"/>
             <a:r>
               <a:rPr lang="en-US" noProof="0" dirty="0" smtClean="0"/>
-              <a:t>Specific requirements	</a:t>
-            </a:r>
+              <a:t>Specific requirements	9</a:t>
+            </a:r>
+          </a:p>
+          <a:p>
+            <a:pPr lvl="1"/>
             <a:r>
               <a:rPr lang="en-US" noProof="0" dirty="0" smtClean="0"/>
-              <a:t>9</a:t>
-            </a:r>
-            <a:endParaRPr lang="en-US" noProof="0" dirty="0" smtClean="0"/>
-          </a:p>
-          <a:p>
-            <a:pPr lvl="1"/>
-            <a:r>
-              <a:rPr lang="en-US" noProof="0" dirty="0" smtClean="0"/>
-              <a:t>Alloy	</a:t>
-            </a:r>
-            <a:r>
-              <a:rPr lang="en-US" noProof="0" dirty="0" smtClean="0"/>
-              <a:t>15</a:t>
-            </a:r>
-            <a:endParaRPr lang="en-US" noProof="0" dirty="0" smtClean="0"/>
+              <a:t>Alloy	15</a:t>
+            </a:r>
           </a:p>
         </p:txBody>
       </p:sp>
@@ -15470,49 +15463,31 @@
             <a:pPr lvl="3"/>
             <a:r>
               <a:rPr lang="en-US" b="1" dirty="0" smtClean="0"/>
-              <a:t>Functional </a:t>
-            </a:r>
+              <a:t>Functional requirements	10</a:t>
+            </a:r>
+            <a:endParaRPr lang="en-US" b="1" noProof="0" dirty="0" smtClean="0"/>
+          </a:p>
+          <a:p>
+            <a:pPr lvl="3"/>
+            <a:r>
+              <a:rPr lang="en-US" b="1" noProof="0" dirty="0" smtClean="0"/>
+              <a:t>Use cases	12</a:t>
+            </a:r>
+          </a:p>
+          <a:p>
+            <a:pPr lvl="3"/>
             <a:r>
               <a:rPr lang="en-US" b="1" dirty="0" smtClean="0"/>
-              <a:t>requirements	10</a:t>
+              <a:t>Class diagram	14</a:t>
             </a:r>
             <a:endParaRPr lang="en-US" b="1" noProof="0" dirty="0" smtClean="0"/>
           </a:p>
           <a:p>
-            <a:pPr lvl="3"/>
-            <a:r>
-              <a:rPr lang="en-US" b="1" noProof="0" dirty="0" smtClean="0"/>
-              <a:t>Use </a:t>
-            </a:r>
-            <a:r>
-              <a:rPr lang="en-US" b="1" noProof="0" dirty="0" smtClean="0"/>
-              <a:t>cases	12</a:t>
-            </a:r>
-            <a:endParaRPr lang="en-US" b="1" noProof="0" dirty="0" smtClean="0"/>
-          </a:p>
-          <a:p>
-            <a:pPr lvl="3"/>
-            <a:r>
-              <a:rPr lang="en-US" b="1" dirty="0" smtClean="0"/>
-              <a:t>Class </a:t>
-            </a:r>
-            <a:r>
-              <a:rPr lang="en-US" b="1" dirty="0" smtClean="0"/>
-              <a:t>diagram	14</a:t>
-            </a:r>
-            <a:endParaRPr lang="en-US" b="1" noProof="0" dirty="0" smtClean="0"/>
-          </a:p>
-          <a:p>
             <a:pPr lvl="1"/>
             <a:r>
               <a:rPr lang="en-US" noProof="0" dirty="0" smtClean="0"/>
-              <a:t>Alloy	</a:t>
-            </a:r>
-            <a:r>
-              <a:rPr lang="en-US" noProof="0" dirty="0" smtClean="0"/>
-              <a:t>15</a:t>
-            </a:r>
-            <a:endParaRPr lang="en-US" noProof="0" dirty="0" smtClean="0"/>
+              <a:t>Alloy	15</a:t>
+            </a:r>
           </a:p>
         </p:txBody>
       </p:sp>
@@ -18379,13 +18354,21 @@
 
 <file path=customXml/item1.xml><?xml version="1.0" encoding="utf-8"?>
 <p4ppTags>
-  <Name>Three columns + Navigation</Name>
-  <PpLayout>32</PpLayout>
-  <Index>20</Index>
+  <Name>Four objects</Name>
+  <PpLayout>24</PpLayout>
+  <Index>15</Index>
 </p4ppTags>
 </file>
 
 <file path=customXml/item10.xml><?xml version="1.0" encoding="utf-8"?>
+<p4ppTags>
+  <Name>One object (small) + Navigation</Name>
+  <PpLayout>32</PpLayout>
+  <Index>18</Index>
+</p4ppTags>
+</file>
+
+<file path=customXml/item11.xml><?xml version="1.0" encoding="utf-8"?>
 <p4ppTags>
   <Name>Four objects + Navigation</Name>
   <PpLayout>32</PpLayout>
@@ -18393,27 +18376,19 @@
 </p4ppTags>
 </file>
 
-<file path=customXml/item11.xml><?xml version="1.0" encoding="utf-8"?>
-<p4ppTags>
-  <Name>Text + Index</Name>
-  <PpLayout>32</PpLayout>
-  <Index>8</Index>
-</p4ppTags>
-</file>
-
 <file path=customXml/item12.xml><?xml version="1.0" encoding="utf-8"?>
 <p4ppTags>
-  <Name>Free Content + Navigation</Name>
+  <Name>Two rows + Navigation</Name>
   <PpLayout>32</PpLayout>
-  <Index>16</Index>
+  <Index>21</Index>
 </p4ppTags>
 </file>
 
 <file path=customXml/item13.xml><?xml version="1.0" encoding="utf-8"?>
 <p4ppTags>
-  <Name>One object (large)</Name>
-  <PpLayout>16</PpLayout>
-  <Index>10</Index>
+  <Name>One object (large) + Navigation</Name>
+  <PpLayout>32</PpLayout>
+  <Index>17</Index>
 </p4ppTags>
 </file>
 
@@ -18426,14 +18401,42 @@
 </file>
 
 <file path=customXml/item15.xml><?xml version="1.0" encoding="utf-8"?>
+<p4ppTags/>
+</file>
+
+<file path=customXml/item16.xml><?xml version="1.0" encoding="utf-8"?>
 <p4ppTags>
-  <Name>One object (small) + Navigation</Name>
-  <PpLayout>32</PpLayout>
-  <Index>18</Index>
+  <Name>One object (large)</Name>
+  <PpLayout>16</PpLayout>
+  <Index>10</Index>
 </p4ppTags>
 </file>
 
-<file path=customXml/item16.xml><?xml version="1.0" encoding="utf-8"?>
+<file path=customXml/item2.xml><?xml version="1.0" encoding="utf-8"?>
+<p4ppTags>
+  <Name>Three columns</Name>
+  <PpLayout>32</PpLayout>
+  <Index>14</Index>
+</p4ppTags>
+</file>
+
+<file path=customXml/item3.xml><?xml version="1.0" encoding="utf-8"?>
+<p4ppTags>
+  <Name>Free Content + Navigation</Name>
+  <PpLayout>32</PpLayout>
+  <Index>16</Index>
+</p4ppTags>
+</file>
+
+<file path=customXml/item4.xml><?xml version="1.0" encoding="utf-8"?>
+<p4ppTags>
+  <Name>One object (small)</Name>
+  <PpLayout>16</PpLayout>
+  <Index>11</Index>
+</p4ppTags>
+</file>
+
+<file path=customXml/item5.xml><?xml version="1.0" encoding="utf-8"?>
 <p4ppTags>
   <Name>Free Content</Name>
   <PpLayout>11</PpLayout>
@@ -18441,31 +18444,31 @@
 </p4ppTags>
 </file>
 
-<file path=customXml/item2.xml><?xml version="1.0" encoding="utf-8"?>
+<file path=customXml/item6.xml><?xml version="1.0" encoding="utf-8"?>
 <p4ppTags>
-  <Name>One object (small)</Name>
-  <PpLayout>16</PpLayout>
-  <Index>11</Index>
+  <Name>Three columns + Navigation</Name>
+  <PpLayout>32</PpLayout>
+  <Index>20</Index>
 </p4ppTags>
 </file>
 
-<file path=customXml/item3.xml><?xml version="1.0" encoding="utf-8"?>
+<file path=customXml/item7.xml><?xml version="1.0" encoding="utf-8"?>
 <p4ppTags>
-  <Name>Four objects</Name>
-  <PpLayout>24</PpLayout>
-  <Index>15</Index>
+  <Name>Two rows</Name>
+  <PpLayout>32</PpLayout>
+  <Index>13</Index>
 </p4ppTags>
 </file>
 
-<file path=customXml/item4.xml><?xml version="1.0" encoding="utf-8"?>
+<file path=customXml/item8.xml><?xml version="1.0" encoding="utf-8"?>
 <p4ppTags>
-  <Name>Two rows + Navigation</Name>
+  <Name>Text + Index</Name>
   <PpLayout>32</PpLayout>
-  <Index>21</Index>
+  <Index>8</Index>
 </p4ppTags>
 </file>
 
-<file path=customXml/item5.xml><?xml version="1.0" encoding="utf-8"?>
+<file path=customXml/item9.xml><?xml version="1.0" encoding="utf-8"?>
 <p4ppTags>
   <Name>Two columns</Name>
   <PpLayout>29</PpLayout>
@@ -18473,60 +18476,32 @@
 </p4ppTags>
 </file>
 
-<file path=customXml/item6.xml><?xml version="1.0" encoding="utf-8"?>
-<p4ppTags>
-  <Name>Two rows</Name>
-  <PpLayout>32</PpLayout>
-  <Index>13</Index>
-</p4ppTags>
-</file>
-
-<file path=customXml/item7.xml><?xml version="1.0" encoding="utf-8"?>
-<p4ppTags>
-  <Name>Three columns</Name>
-  <PpLayout>32</PpLayout>
-  <Index>14</Index>
-</p4ppTags>
-</file>
-
-<file path=customXml/item8.xml><?xml version="1.0" encoding="utf-8"?>
-<p4ppTags/>
-</file>
-
-<file path=customXml/item9.xml><?xml version="1.0" encoding="utf-8"?>
-<p4ppTags>
-  <Name>One object (large) + Navigation</Name>
-  <PpLayout>32</PpLayout>
-  <Index>17</Index>
-</p4ppTags>
-</file>
-
 <file path=customXml/itemProps1.xml><?xml version="1.0" encoding="utf-8"?>
-<ds:datastoreItem xmlns:ds="http://schemas.openxmlformats.org/officeDocument/2006/customXml" ds:itemID="{85D77EE6-52B7-48BE-9EDB-748F1EBB53DE}">
+<ds:datastoreItem xmlns:ds="http://schemas.openxmlformats.org/officeDocument/2006/customXml" ds:itemID="{1581BFFB-B4CE-47A8-BE77-DC1339B1E5A7}">
   <ds:schemaRefs/>
 </ds:datastoreItem>
 </file>
 
 <file path=customXml/itemProps10.xml><?xml version="1.0" encoding="utf-8"?>
+<ds:datastoreItem xmlns:ds="http://schemas.openxmlformats.org/officeDocument/2006/customXml" ds:itemID="{D9FE249F-833E-4CF0-BECB-552D01D7DC9E}">
+  <ds:schemaRefs/>
+</ds:datastoreItem>
+</file>
+
+<file path=customXml/itemProps11.xml><?xml version="1.0" encoding="utf-8"?>
 <ds:datastoreItem xmlns:ds="http://schemas.openxmlformats.org/officeDocument/2006/customXml" ds:itemID="{EAB520BC-C6EC-457E-8AB5-55DB67C86858}">
   <ds:schemaRefs/>
 </ds:datastoreItem>
 </file>
 
-<file path=customXml/itemProps11.xml><?xml version="1.0" encoding="utf-8"?>
-<ds:datastoreItem xmlns:ds="http://schemas.openxmlformats.org/officeDocument/2006/customXml" ds:itemID="{7E35FEDB-1F0E-4D67-A313-4AC59C26FF29}">
-  <ds:schemaRefs/>
-</ds:datastoreItem>
-</file>
-
 <file path=customXml/itemProps12.xml><?xml version="1.0" encoding="utf-8"?>
-<ds:datastoreItem xmlns:ds="http://schemas.openxmlformats.org/officeDocument/2006/customXml" ds:itemID="{7CC5F709-E74B-4E5F-A728-923D5062EBEF}">
+<ds:datastoreItem xmlns:ds="http://schemas.openxmlformats.org/officeDocument/2006/customXml" ds:itemID="{6C79E4F8-DCFB-483C-880A-AEEC6AAFC838}">
   <ds:schemaRefs/>
 </ds:datastoreItem>
 </file>
 
 <file path=customXml/itemProps13.xml><?xml version="1.0" encoding="utf-8"?>
-<ds:datastoreItem xmlns:ds="http://schemas.openxmlformats.org/officeDocument/2006/customXml" ds:itemID="{80661B8B-A327-44F9-823B-4D9EE0B3EC78}">
+<ds:datastoreItem xmlns:ds="http://schemas.openxmlformats.org/officeDocument/2006/customXml" ds:itemID="{B27F640E-84DF-4F97-BC70-D045F1E6594F}">
   <ds:schemaRefs/>
 </ds:datastoreItem>
 </file>
@@ -18538,61 +18513,61 @@
 </file>
 
 <file path=customXml/itemProps15.xml><?xml version="1.0" encoding="utf-8"?>
-<ds:datastoreItem xmlns:ds="http://schemas.openxmlformats.org/officeDocument/2006/customXml" ds:itemID="{D9FE249F-833E-4CF0-BECB-552D01D7DC9E}">
+<ds:datastoreItem xmlns:ds="http://schemas.openxmlformats.org/officeDocument/2006/customXml" ds:itemID="{572FBA73-6DBF-45DA-8282-9342320CFAB0}">
   <ds:schemaRefs/>
 </ds:datastoreItem>
 </file>
 
 <file path=customXml/itemProps16.xml><?xml version="1.0" encoding="utf-8"?>
+<ds:datastoreItem xmlns:ds="http://schemas.openxmlformats.org/officeDocument/2006/customXml" ds:itemID="{80661B8B-A327-44F9-823B-4D9EE0B3EC78}">
+  <ds:schemaRefs/>
+</ds:datastoreItem>
+</file>
+
+<file path=customXml/itemProps2.xml><?xml version="1.0" encoding="utf-8"?>
+<ds:datastoreItem xmlns:ds="http://schemas.openxmlformats.org/officeDocument/2006/customXml" ds:itemID="{15CF3461-70D1-4B54-AFAB-DAFDA0A238CD}">
+  <ds:schemaRefs/>
+</ds:datastoreItem>
+</file>
+
+<file path=customXml/itemProps3.xml><?xml version="1.0" encoding="utf-8"?>
+<ds:datastoreItem xmlns:ds="http://schemas.openxmlformats.org/officeDocument/2006/customXml" ds:itemID="{7CC5F709-E74B-4E5F-A728-923D5062EBEF}">
+  <ds:schemaRefs/>
+</ds:datastoreItem>
+</file>
+
+<file path=customXml/itemProps4.xml><?xml version="1.0" encoding="utf-8"?>
+<ds:datastoreItem xmlns:ds="http://schemas.openxmlformats.org/officeDocument/2006/customXml" ds:itemID="{1618AA06-B22E-4D19-9680-0D7830426729}">
+  <ds:schemaRefs/>
+</ds:datastoreItem>
+</file>
+
+<file path=customXml/itemProps5.xml><?xml version="1.0" encoding="utf-8"?>
 <ds:datastoreItem xmlns:ds="http://schemas.openxmlformats.org/officeDocument/2006/customXml" ds:itemID="{D8097D0C-BE3E-4AEC-9593-65CFCCB19297}">
   <ds:schemaRefs/>
 </ds:datastoreItem>
 </file>
 
-<file path=customXml/itemProps2.xml><?xml version="1.0" encoding="utf-8"?>
-<ds:datastoreItem xmlns:ds="http://schemas.openxmlformats.org/officeDocument/2006/customXml" ds:itemID="{1618AA06-B22E-4D19-9680-0D7830426729}">
+<file path=customXml/itemProps6.xml><?xml version="1.0" encoding="utf-8"?>
+<ds:datastoreItem xmlns:ds="http://schemas.openxmlformats.org/officeDocument/2006/customXml" ds:itemID="{85D77EE6-52B7-48BE-9EDB-748F1EBB53DE}">
   <ds:schemaRefs/>
 </ds:datastoreItem>
 </file>
 
-<file path=customXml/itemProps3.xml><?xml version="1.0" encoding="utf-8"?>
-<ds:datastoreItem xmlns:ds="http://schemas.openxmlformats.org/officeDocument/2006/customXml" ds:itemID="{1581BFFB-B4CE-47A8-BE77-DC1339B1E5A7}">
-  <ds:schemaRefs/>
-</ds:datastoreItem>
-</file>
-
-<file path=customXml/itemProps4.xml><?xml version="1.0" encoding="utf-8"?>
-<ds:datastoreItem xmlns:ds="http://schemas.openxmlformats.org/officeDocument/2006/customXml" ds:itemID="{6C79E4F8-DCFB-483C-880A-AEEC6AAFC838}">
-  <ds:schemaRefs/>
-</ds:datastoreItem>
-</file>
-
-<file path=customXml/itemProps5.xml><?xml version="1.0" encoding="utf-8"?>
-<ds:datastoreItem xmlns:ds="http://schemas.openxmlformats.org/officeDocument/2006/customXml" ds:itemID="{1666F4C2-68F5-4840-A44A-1A646C0925A1}">
-  <ds:schemaRefs/>
-</ds:datastoreItem>
-</file>
-
-<file path=customXml/itemProps6.xml><?xml version="1.0" encoding="utf-8"?>
+<file path=customXml/itemProps7.xml><?xml version="1.0" encoding="utf-8"?>
 <ds:datastoreItem xmlns:ds="http://schemas.openxmlformats.org/officeDocument/2006/customXml" ds:itemID="{38AB8DE4-FD9B-4166-BEC3-3F1753596133}">
   <ds:schemaRefs/>
 </ds:datastoreItem>
 </file>
 
-<file path=customXml/itemProps7.xml><?xml version="1.0" encoding="utf-8"?>
-<ds:datastoreItem xmlns:ds="http://schemas.openxmlformats.org/officeDocument/2006/customXml" ds:itemID="{15CF3461-70D1-4B54-AFAB-DAFDA0A238CD}">
-  <ds:schemaRefs/>
-</ds:datastoreItem>
-</file>
-
 <file path=customXml/itemProps8.xml><?xml version="1.0" encoding="utf-8"?>
-<ds:datastoreItem xmlns:ds="http://schemas.openxmlformats.org/officeDocument/2006/customXml" ds:itemID="{572FBA73-6DBF-45DA-8282-9342320CFAB0}">
+<ds:datastoreItem xmlns:ds="http://schemas.openxmlformats.org/officeDocument/2006/customXml" ds:itemID="{7E35FEDB-1F0E-4D67-A313-4AC59C26FF29}">
   <ds:schemaRefs/>
 </ds:datastoreItem>
 </file>
 
 <file path=customXml/itemProps9.xml><?xml version="1.0" encoding="utf-8"?>
-<ds:datastoreItem xmlns:ds="http://schemas.openxmlformats.org/officeDocument/2006/customXml" ds:itemID="{B27F640E-84DF-4F97-BC70-D045F1E6594F}">
+<ds:datastoreItem xmlns:ds="http://schemas.openxmlformats.org/officeDocument/2006/customXml" ds:itemID="{1666F4C2-68F5-4840-A44A-1A646C0925A1}">
   <ds:schemaRefs/>
 </ds:datastoreItem>
 </file>